--- a/Lab4_architektura/AP_L04_20190320_0800_G01.pptx
+++ b/Lab4_architektura/AP_L04_20190320_0800_G01.pptx
@@ -146,7 +146,7 @@
   </p:defaultTextStyle>
   <p:extLst>
     <p:ext uri="{EFAFB233-063F-42B5-8137-9DF3F51BA10A}">
-      <p15:sldGuideLst xmlns:p15="http://schemas.microsoft.com/office/powerpoint/2012/main">
+      <p15:sldGuideLst xmlns:p15="http://schemas.microsoft.com/office/powerpoint/2012/main" xmlns="">
         <p15:guide id="1" orient="horz" pos="2160">
           <p15:clr>
             <a:srgbClr val="A4A3A4"/>
@@ -199,7 +199,7 @@
           <p:cNvPr id="2" name="Symbol zastępczy nagłówka 1">
             <a:extLst>
               <a:ext uri="{FF2B5EF4-FFF2-40B4-BE49-F238E27FC236}">
-                <a16:creationId xmlns:a16="http://schemas.microsoft.com/office/drawing/2014/main" id="{7C5BF4ED-BCB0-48A3-8924-309E33DEBB1F}"/>
+                <a16:creationId xmlns:a16="http://schemas.microsoft.com/office/drawing/2014/main" xmlns="" id="{7C5BF4ED-BCB0-48A3-8924-309E33DEBB1F}"/>
               </a:ext>
             </a:extLst>
           </p:cNvPr>
@@ -247,7 +247,7 @@
           <p:cNvPr id="3" name="Symbol zastępczy daty 2">
             <a:extLst>
               <a:ext uri="{FF2B5EF4-FFF2-40B4-BE49-F238E27FC236}">
-                <a16:creationId xmlns:a16="http://schemas.microsoft.com/office/drawing/2014/main" id="{BBC8DA4B-E5D3-46E4-B53C-1BD3D350B788}"/>
+                <a16:creationId xmlns:a16="http://schemas.microsoft.com/office/drawing/2014/main" xmlns="" id="{BBC8DA4B-E5D3-46E4-B53C-1BD3D350B788}"/>
               </a:ext>
             </a:extLst>
           </p:cNvPr>
@@ -291,7 +291,7 @@
               <a:pPr>
                 <a:defRPr/>
               </a:pPr>
-              <a:t>3/20/2019</a:t>
+              <a:t>3/23/2019</a:t>
             </a:fld>
             <a:endParaRPr lang="pl-PL"/>
           </a:p>
@@ -302,7 +302,7 @@
           <p:cNvPr id="4" name="Symbol zastępczy stopki 3">
             <a:extLst>
               <a:ext uri="{FF2B5EF4-FFF2-40B4-BE49-F238E27FC236}">
-                <a16:creationId xmlns:a16="http://schemas.microsoft.com/office/drawing/2014/main" id="{0CA902A4-96E3-4090-8871-57328D52566C}"/>
+                <a16:creationId xmlns:a16="http://schemas.microsoft.com/office/drawing/2014/main" xmlns="" id="{0CA902A4-96E3-4090-8871-57328D52566C}"/>
               </a:ext>
             </a:extLst>
           </p:cNvPr>
@@ -353,7 +353,7 @@
           <p:cNvPr id="5" name="Symbol zastępczy numeru slajdu 4">
             <a:extLst>
               <a:ext uri="{FF2B5EF4-FFF2-40B4-BE49-F238E27FC236}">
-                <a16:creationId xmlns:a16="http://schemas.microsoft.com/office/drawing/2014/main" id="{01330126-E675-4405-872A-422907E16422}"/>
+                <a16:creationId xmlns:a16="http://schemas.microsoft.com/office/drawing/2014/main" xmlns="" id="{01330126-E675-4405-872A-422907E16422}"/>
               </a:ext>
             </a:extLst>
           </p:cNvPr>
@@ -400,6 +400,11 @@
         </p:txBody>
       </p:sp>
     </p:spTree>
+    <p:extLst>
+      <p:ext uri="{BB962C8B-B14F-4D97-AF65-F5344CB8AC3E}">
+        <p14:creationId xmlns:p14="http://schemas.microsoft.com/office/powerpoint/2010/main" val="4010777983"/>
+      </p:ext>
+    </p:extLst>
   </p:cSld>
   <p:clrMap bg1="lt1" tx1="dk1" bg2="lt2" tx2="dk2" accent1="accent1" accent2="accent2" accent3="accent3" accent4="accent4" accent5="accent5" accent6="accent6" hlink="hlink" folHlink="folHlink"/>
   <p:hf sldNum="0" hdr="0" dt="0"/>
@@ -436,7 +441,7 @@
           <p:cNvPr id="2" name="Symbol zastępczy nagłówka 1">
             <a:extLst>
               <a:ext uri="{FF2B5EF4-FFF2-40B4-BE49-F238E27FC236}">
-                <a16:creationId xmlns:a16="http://schemas.microsoft.com/office/drawing/2014/main" id="{3588ECC7-7350-4D88-B588-EEF04071D45E}"/>
+                <a16:creationId xmlns:a16="http://schemas.microsoft.com/office/drawing/2014/main" xmlns="" id="{3588ECC7-7350-4D88-B588-EEF04071D45E}"/>
               </a:ext>
             </a:extLst>
           </p:cNvPr>
@@ -484,7 +489,7 @@
           <p:cNvPr id="3" name="Symbol zastępczy daty 2">
             <a:extLst>
               <a:ext uri="{FF2B5EF4-FFF2-40B4-BE49-F238E27FC236}">
-                <a16:creationId xmlns:a16="http://schemas.microsoft.com/office/drawing/2014/main" id="{B918CBFF-EAD8-404F-B02C-A7859DB92669}"/>
+                <a16:creationId xmlns:a16="http://schemas.microsoft.com/office/drawing/2014/main" xmlns="" id="{B918CBFF-EAD8-404F-B02C-A7859DB92669}"/>
               </a:ext>
             </a:extLst>
           </p:cNvPr>
@@ -528,7 +533,7 @@
               <a:pPr>
                 <a:defRPr/>
               </a:pPr>
-              <a:t>3/20/2019</a:t>
+              <a:t>3/23/2019</a:t>
             </a:fld>
             <a:endParaRPr lang="pl-PL"/>
           </a:p>
@@ -539,7 +544,7 @@
           <p:cNvPr id="4" name="Symbol zastępczy obrazu slajdu 3">
             <a:extLst>
               <a:ext uri="{FF2B5EF4-FFF2-40B4-BE49-F238E27FC236}">
-                <a16:creationId xmlns:a16="http://schemas.microsoft.com/office/drawing/2014/main" id="{A710DA0F-396F-4DE1-BC41-AE100DB86B35}"/>
+                <a16:creationId xmlns:a16="http://schemas.microsoft.com/office/drawing/2014/main" xmlns="" id="{A710DA0F-396F-4DE1-BC41-AE100DB86B35}"/>
               </a:ext>
             </a:extLst>
           </p:cNvPr>
@@ -579,7 +584,7 @@
           <p:cNvPr id="5" name="Symbol zastępczy notatek 4">
             <a:extLst>
               <a:ext uri="{FF2B5EF4-FFF2-40B4-BE49-F238E27FC236}">
-                <a16:creationId xmlns:a16="http://schemas.microsoft.com/office/drawing/2014/main" id="{8D25A859-3A66-4122-8507-D16A64A78B86}"/>
+                <a16:creationId xmlns:a16="http://schemas.microsoft.com/office/drawing/2014/main" xmlns="" id="{8D25A859-3A66-4122-8507-D16A64A78B86}"/>
               </a:ext>
             </a:extLst>
           </p:cNvPr>
@@ -644,7 +649,7 @@
           <p:cNvPr id="6" name="Symbol zastępczy stopki 5">
             <a:extLst>
               <a:ext uri="{FF2B5EF4-FFF2-40B4-BE49-F238E27FC236}">
-                <a16:creationId xmlns:a16="http://schemas.microsoft.com/office/drawing/2014/main" id="{870478CA-67FD-494A-985A-C7DCE106BD13}"/>
+                <a16:creationId xmlns:a16="http://schemas.microsoft.com/office/drawing/2014/main" xmlns="" id="{870478CA-67FD-494A-985A-C7DCE106BD13}"/>
               </a:ext>
             </a:extLst>
           </p:cNvPr>
@@ -695,7 +700,7 @@
           <p:cNvPr id="7" name="Symbol zastępczy numeru slajdu 6">
             <a:extLst>
               <a:ext uri="{FF2B5EF4-FFF2-40B4-BE49-F238E27FC236}">
-                <a16:creationId xmlns:a16="http://schemas.microsoft.com/office/drawing/2014/main" id="{DED305A8-5DE4-4236-8DF6-21B66550B569}"/>
+                <a16:creationId xmlns:a16="http://schemas.microsoft.com/office/drawing/2014/main" xmlns="" id="{DED305A8-5DE4-4236-8DF6-21B66550B569}"/>
               </a:ext>
             </a:extLst>
           </p:cNvPr>
@@ -742,6 +747,11 @@
         </p:txBody>
       </p:sp>
     </p:spTree>
+    <p:extLst>
+      <p:ext uri="{BB962C8B-B14F-4D97-AF65-F5344CB8AC3E}">
+        <p14:creationId xmlns:p14="http://schemas.microsoft.com/office/powerpoint/2010/main" val="1597232164"/>
+      </p:ext>
+    </p:extLst>
   </p:cSld>
   <p:clrMap bg1="lt1" tx1="dk1" bg2="lt2" tx2="dk2" accent1="accent1" accent2="accent2" accent3="accent3" accent4="accent4" accent5="accent5" accent6="accent6" hlink="hlink" folHlink="folHlink"/>
   <p:hf sldNum="0" hdr="0" dt="0"/>
@@ -892,7 +902,7 @@
           <p:cNvPr id="5122" name="Symbol zastępczy obrazu slajdu 1">
             <a:extLst>
               <a:ext uri="{FF2B5EF4-FFF2-40B4-BE49-F238E27FC236}">
-                <a16:creationId xmlns:a16="http://schemas.microsoft.com/office/drawing/2014/main" id="{FE0C0804-9EDC-4125-8681-AC6464DEDCF7}"/>
+                <a16:creationId xmlns:a16="http://schemas.microsoft.com/office/drawing/2014/main" xmlns="" id="{FE0C0804-9EDC-4125-8681-AC6464DEDCF7}"/>
               </a:ext>
             </a:extLst>
           </p:cNvPr>
@@ -929,7 +939,7 @@
           <p:cNvPr id="5123" name="Symbol zastępczy notatek 2">
             <a:extLst>
               <a:ext uri="{FF2B5EF4-FFF2-40B4-BE49-F238E27FC236}">
-                <a16:creationId xmlns:a16="http://schemas.microsoft.com/office/drawing/2014/main" id="{3F8CBB60-ABF2-4205-8999-B59E3FA3A85B}"/>
+                <a16:creationId xmlns:a16="http://schemas.microsoft.com/office/drawing/2014/main" xmlns="" id="{3F8CBB60-ABF2-4205-8999-B59E3FA3A85B}"/>
               </a:ext>
             </a:extLst>
           </p:cNvPr>
@@ -984,7 +994,7 @@
           <p:cNvPr id="5124" name="Footer Placeholder 3">
             <a:extLst>
               <a:ext uri="{FF2B5EF4-FFF2-40B4-BE49-F238E27FC236}">
-                <a16:creationId xmlns:a16="http://schemas.microsoft.com/office/drawing/2014/main" id="{D5EF9514-BB9C-401E-B0BB-5646A06FE333}"/>
+                <a16:creationId xmlns:a16="http://schemas.microsoft.com/office/drawing/2014/main" xmlns="" id="{D5EF9514-BB9C-401E-B0BB-5646A06FE333}"/>
               </a:ext>
             </a:extLst>
           </p:cNvPr>
@@ -1167,7 +1177,7 @@
           <p:cNvPr id="7170" name="Symbol zastępczy obrazu slajdu 1">
             <a:extLst>
               <a:ext uri="{FF2B5EF4-FFF2-40B4-BE49-F238E27FC236}">
-                <a16:creationId xmlns:a16="http://schemas.microsoft.com/office/drawing/2014/main" id="{44089F52-FCC3-4F92-8075-69E6A0B7A999}"/>
+                <a16:creationId xmlns:a16="http://schemas.microsoft.com/office/drawing/2014/main" xmlns="" id="{44089F52-FCC3-4F92-8075-69E6A0B7A999}"/>
               </a:ext>
             </a:extLst>
           </p:cNvPr>
@@ -1204,7 +1214,7 @@
           <p:cNvPr id="7171" name="Symbol zastępczy notatek 2">
             <a:extLst>
               <a:ext uri="{FF2B5EF4-FFF2-40B4-BE49-F238E27FC236}">
-                <a16:creationId xmlns:a16="http://schemas.microsoft.com/office/drawing/2014/main" id="{8D5F7E77-5CFF-4068-B149-CBDEE078C652}"/>
+                <a16:creationId xmlns:a16="http://schemas.microsoft.com/office/drawing/2014/main" xmlns="" id="{8D5F7E77-5CFF-4068-B149-CBDEE078C652}"/>
               </a:ext>
             </a:extLst>
           </p:cNvPr>
@@ -1259,7 +1269,7 @@
           <p:cNvPr id="7172" name="Footer Placeholder 3">
             <a:extLst>
               <a:ext uri="{FF2B5EF4-FFF2-40B4-BE49-F238E27FC236}">
-                <a16:creationId xmlns:a16="http://schemas.microsoft.com/office/drawing/2014/main" id="{AA8F79A3-A557-4B9C-A2E2-91B7684DAD2E}"/>
+                <a16:creationId xmlns:a16="http://schemas.microsoft.com/office/drawing/2014/main" xmlns="" id="{AA8F79A3-A557-4B9C-A2E2-91B7684DAD2E}"/>
               </a:ext>
             </a:extLst>
           </p:cNvPr>
@@ -1442,7 +1452,7 @@
           <p:cNvPr id="9218" name="Symbol zastępczy obrazu slajdu 1">
             <a:extLst>
               <a:ext uri="{FF2B5EF4-FFF2-40B4-BE49-F238E27FC236}">
-                <a16:creationId xmlns:a16="http://schemas.microsoft.com/office/drawing/2014/main" id="{2E763E06-6975-4291-9396-E007D348F002}"/>
+                <a16:creationId xmlns:a16="http://schemas.microsoft.com/office/drawing/2014/main" xmlns="" id="{2E763E06-6975-4291-9396-E007D348F002}"/>
               </a:ext>
             </a:extLst>
           </p:cNvPr>
@@ -1479,7 +1489,7 @@
           <p:cNvPr id="9219" name="Symbol zastępczy notatek 2">
             <a:extLst>
               <a:ext uri="{FF2B5EF4-FFF2-40B4-BE49-F238E27FC236}">
-                <a16:creationId xmlns:a16="http://schemas.microsoft.com/office/drawing/2014/main" id="{1667920A-8AFB-4861-A38A-D5894CB1BFB4}"/>
+                <a16:creationId xmlns:a16="http://schemas.microsoft.com/office/drawing/2014/main" xmlns="" id="{1667920A-8AFB-4861-A38A-D5894CB1BFB4}"/>
               </a:ext>
             </a:extLst>
           </p:cNvPr>
@@ -1534,7 +1544,7 @@
           <p:cNvPr id="9220" name="Footer Placeholder 3">
             <a:extLst>
               <a:ext uri="{FF2B5EF4-FFF2-40B4-BE49-F238E27FC236}">
-                <a16:creationId xmlns:a16="http://schemas.microsoft.com/office/drawing/2014/main" id="{7050523F-C371-45FF-81B6-37C32CA0BCF5}"/>
+                <a16:creationId xmlns:a16="http://schemas.microsoft.com/office/drawing/2014/main" xmlns="" id="{7050523F-C371-45FF-81B6-37C32CA0BCF5}"/>
               </a:ext>
             </a:extLst>
           </p:cNvPr>
@@ -1717,7 +1727,7 @@
           <p:cNvPr id="11266" name="Symbol zastępczy obrazu slajdu 1">
             <a:extLst>
               <a:ext uri="{FF2B5EF4-FFF2-40B4-BE49-F238E27FC236}">
-                <a16:creationId xmlns:a16="http://schemas.microsoft.com/office/drawing/2014/main" id="{1D685761-A83C-4245-8B93-3D0E78DDDF74}"/>
+                <a16:creationId xmlns:a16="http://schemas.microsoft.com/office/drawing/2014/main" xmlns="" id="{1D685761-A83C-4245-8B93-3D0E78DDDF74}"/>
               </a:ext>
             </a:extLst>
           </p:cNvPr>
@@ -1754,7 +1764,7 @@
           <p:cNvPr id="11267" name="Symbol zastępczy notatek 2">
             <a:extLst>
               <a:ext uri="{FF2B5EF4-FFF2-40B4-BE49-F238E27FC236}">
-                <a16:creationId xmlns:a16="http://schemas.microsoft.com/office/drawing/2014/main" id="{D4AFCA37-FEA7-48B1-BB75-40242D77E3B6}"/>
+                <a16:creationId xmlns:a16="http://schemas.microsoft.com/office/drawing/2014/main" xmlns="" id="{D4AFCA37-FEA7-48B1-BB75-40242D77E3B6}"/>
               </a:ext>
             </a:extLst>
           </p:cNvPr>
@@ -1809,7 +1819,7 @@
           <p:cNvPr id="11268" name="Footer Placeholder 3">
             <a:extLst>
               <a:ext uri="{FF2B5EF4-FFF2-40B4-BE49-F238E27FC236}">
-                <a16:creationId xmlns:a16="http://schemas.microsoft.com/office/drawing/2014/main" id="{2B29F252-6F80-4D0A-8993-6AC27CE13095}"/>
+                <a16:creationId xmlns:a16="http://schemas.microsoft.com/office/drawing/2014/main" xmlns="" id="{2B29F252-6F80-4D0A-8993-6AC27CE13095}"/>
               </a:ext>
             </a:extLst>
           </p:cNvPr>
@@ -1992,7 +2002,7 @@
           <p:cNvPr id="13314" name="Symbol zastępczy obrazu slajdu 1">
             <a:extLst>
               <a:ext uri="{FF2B5EF4-FFF2-40B4-BE49-F238E27FC236}">
-                <a16:creationId xmlns:a16="http://schemas.microsoft.com/office/drawing/2014/main" id="{BFFB5DEE-EB42-460D-A70D-597E5A9DEC8C}"/>
+                <a16:creationId xmlns:a16="http://schemas.microsoft.com/office/drawing/2014/main" xmlns="" id="{BFFB5DEE-EB42-460D-A70D-597E5A9DEC8C}"/>
               </a:ext>
             </a:extLst>
           </p:cNvPr>
@@ -2029,7 +2039,7 @@
           <p:cNvPr id="13315" name="Symbol zastępczy notatek 2">
             <a:extLst>
               <a:ext uri="{FF2B5EF4-FFF2-40B4-BE49-F238E27FC236}">
-                <a16:creationId xmlns:a16="http://schemas.microsoft.com/office/drawing/2014/main" id="{10FCBC51-98AA-470A-AD7E-65C00CA78A3A}"/>
+                <a16:creationId xmlns:a16="http://schemas.microsoft.com/office/drawing/2014/main" xmlns="" id="{10FCBC51-98AA-470A-AD7E-65C00CA78A3A}"/>
               </a:ext>
             </a:extLst>
           </p:cNvPr>
@@ -2084,7 +2094,7 @@
           <p:cNvPr id="13316" name="Footer Placeholder 3">
             <a:extLst>
               <a:ext uri="{FF2B5EF4-FFF2-40B4-BE49-F238E27FC236}">
-                <a16:creationId xmlns:a16="http://schemas.microsoft.com/office/drawing/2014/main" id="{85BD3775-6D7B-48E0-831E-C0859E49ACC4}"/>
+                <a16:creationId xmlns:a16="http://schemas.microsoft.com/office/drawing/2014/main" xmlns="" id="{85BD3775-6D7B-48E0-831E-C0859E49ACC4}"/>
               </a:ext>
             </a:extLst>
           </p:cNvPr>
@@ -2412,7 +2422,7 @@
           <p:cNvPr id="4" name="Symbol zastępczy daty 3">
             <a:extLst>
               <a:ext uri="{FF2B5EF4-FFF2-40B4-BE49-F238E27FC236}">
-                <a16:creationId xmlns:a16="http://schemas.microsoft.com/office/drawing/2014/main" id="{E0DC5341-7ED1-4138-AB98-A24E7CF204DC}"/>
+                <a16:creationId xmlns:a16="http://schemas.microsoft.com/office/drawing/2014/main" xmlns="" id="{E0DC5341-7ED1-4138-AB98-A24E7CF204DC}"/>
               </a:ext>
             </a:extLst>
           </p:cNvPr>
@@ -2448,7 +2458,7 @@
           <p:cNvPr id="5" name="Symbol zastępczy stopki 4">
             <a:extLst>
               <a:ext uri="{FF2B5EF4-FFF2-40B4-BE49-F238E27FC236}">
-                <a16:creationId xmlns:a16="http://schemas.microsoft.com/office/drawing/2014/main" id="{27744640-7C69-4322-BD8F-A67410DB9D7D}"/>
+                <a16:creationId xmlns:a16="http://schemas.microsoft.com/office/drawing/2014/main" xmlns="" id="{27744640-7C69-4322-BD8F-A67410DB9D7D}"/>
               </a:ext>
             </a:extLst>
           </p:cNvPr>
@@ -2484,7 +2494,7 @@
           <p:cNvPr id="6" name="Symbol zastępczy numeru slajdu 5">
             <a:extLst>
               <a:ext uri="{FF2B5EF4-FFF2-40B4-BE49-F238E27FC236}">
-                <a16:creationId xmlns:a16="http://schemas.microsoft.com/office/drawing/2014/main" id="{3AF78FD0-2C7D-4DCF-BB88-B13CE85F68C0}"/>
+                <a16:creationId xmlns:a16="http://schemas.microsoft.com/office/drawing/2014/main" xmlns="" id="{3AF78FD0-2C7D-4DCF-BB88-B13CE85F68C0}"/>
               </a:ext>
             </a:extLst>
           </p:cNvPr>
@@ -2626,7 +2636,7 @@
           <p:cNvPr id="4" name="Symbol zastępczy daty 3">
             <a:extLst>
               <a:ext uri="{FF2B5EF4-FFF2-40B4-BE49-F238E27FC236}">
-                <a16:creationId xmlns:a16="http://schemas.microsoft.com/office/drawing/2014/main" id="{30A96713-F7A5-417C-BBE3-F5A10A5E58D7}"/>
+                <a16:creationId xmlns:a16="http://schemas.microsoft.com/office/drawing/2014/main" xmlns="" id="{30A96713-F7A5-417C-BBE3-F5A10A5E58D7}"/>
               </a:ext>
             </a:extLst>
           </p:cNvPr>
@@ -2662,7 +2672,7 @@
           <p:cNvPr id="5" name="Symbol zastępczy stopki 4">
             <a:extLst>
               <a:ext uri="{FF2B5EF4-FFF2-40B4-BE49-F238E27FC236}">
-                <a16:creationId xmlns:a16="http://schemas.microsoft.com/office/drawing/2014/main" id="{8130E937-9D54-41C9-8B3D-5B75B35BB1F0}"/>
+                <a16:creationId xmlns:a16="http://schemas.microsoft.com/office/drawing/2014/main" xmlns="" id="{8130E937-9D54-41C9-8B3D-5B75B35BB1F0}"/>
               </a:ext>
             </a:extLst>
           </p:cNvPr>
@@ -2698,7 +2708,7 @@
           <p:cNvPr id="6" name="Symbol zastępczy numeru slajdu 5">
             <a:extLst>
               <a:ext uri="{FF2B5EF4-FFF2-40B4-BE49-F238E27FC236}">
-                <a16:creationId xmlns:a16="http://schemas.microsoft.com/office/drawing/2014/main" id="{13EF4D1C-8895-4730-B77D-895EDA4CEF26}"/>
+                <a16:creationId xmlns:a16="http://schemas.microsoft.com/office/drawing/2014/main" xmlns="" id="{13EF4D1C-8895-4730-B77D-895EDA4CEF26}"/>
               </a:ext>
             </a:extLst>
           </p:cNvPr>
@@ -2850,7 +2860,7 @@
           <p:cNvPr id="4" name="Symbol zastępczy daty 3">
             <a:extLst>
               <a:ext uri="{FF2B5EF4-FFF2-40B4-BE49-F238E27FC236}">
-                <a16:creationId xmlns:a16="http://schemas.microsoft.com/office/drawing/2014/main" id="{37E427B2-020A-4822-A2E2-AB761810EBDE}"/>
+                <a16:creationId xmlns:a16="http://schemas.microsoft.com/office/drawing/2014/main" xmlns="" id="{37E427B2-020A-4822-A2E2-AB761810EBDE}"/>
               </a:ext>
             </a:extLst>
           </p:cNvPr>
@@ -2886,7 +2896,7 @@
           <p:cNvPr id="5" name="Symbol zastępczy stopki 4">
             <a:extLst>
               <a:ext uri="{FF2B5EF4-FFF2-40B4-BE49-F238E27FC236}">
-                <a16:creationId xmlns:a16="http://schemas.microsoft.com/office/drawing/2014/main" id="{BB6B2E77-AC49-4E5E-9F3D-8B8B1E079E32}"/>
+                <a16:creationId xmlns:a16="http://schemas.microsoft.com/office/drawing/2014/main" xmlns="" id="{BB6B2E77-AC49-4E5E-9F3D-8B8B1E079E32}"/>
               </a:ext>
             </a:extLst>
           </p:cNvPr>
@@ -2922,7 +2932,7 @@
           <p:cNvPr id="6" name="Symbol zastępczy numeru slajdu 5">
             <a:extLst>
               <a:ext uri="{FF2B5EF4-FFF2-40B4-BE49-F238E27FC236}">
-                <a16:creationId xmlns:a16="http://schemas.microsoft.com/office/drawing/2014/main" id="{3CADA704-F91C-4EA6-A4C7-2A036940C071}"/>
+                <a16:creationId xmlns:a16="http://schemas.microsoft.com/office/drawing/2014/main" xmlns="" id="{3CADA704-F91C-4EA6-A4C7-2A036940C071}"/>
               </a:ext>
             </a:extLst>
           </p:cNvPr>
@@ -3064,7 +3074,7 @@
           <p:cNvPr id="4" name="Symbol zastępczy daty 3">
             <a:extLst>
               <a:ext uri="{FF2B5EF4-FFF2-40B4-BE49-F238E27FC236}">
-                <a16:creationId xmlns:a16="http://schemas.microsoft.com/office/drawing/2014/main" id="{EC0A8D81-67EE-4FD3-9A86-20CF06D137BD}"/>
+                <a16:creationId xmlns:a16="http://schemas.microsoft.com/office/drawing/2014/main" xmlns="" id="{EC0A8D81-67EE-4FD3-9A86-20CF06D137BD}"/>
               </a:ext>
             </a:extLst>
           </p:cNvPr>
@@ -3100,7 +3110,7 @@
           <p:cNvPr id="5" name="Symbol zastępczy stopki 4">
             <a:extLst>
               <a:ext uri="{FF2B5EF4-FFF2-40B4-BE49-F238E27FC236}">
-                <a16:creationId xmlns:a16="http://schemas.microsoft.com/office/drawing/2014/main" id="{28CC4DE4-CFD7-4057-88F5-222582512E78}"/>
+                <a16:creationId xmlns:a16="http://schemas.microsoft.com/office/drawing/2014/main" xmlns="" id="{28CC4DE4-CFD7-4057-88F5-222582512E78}"/>
               </a:ext>
             </a:extLst>
           </p:cNvPr>
@@ -3136,7 +3146,7 @@
           <p:cNvPr id="6" name="Symbol zastępczy numeru slajdu 5">
             <a:extLst>
               <a:ext uri="{FF2B5EF4-FFF2-40B4-BE49-F238E27FC236}">
-                <a16:creationId xmlns:a16="http://schemas.microsoft.com/office/drawing/2014/main" id="{EB3B4FDB-C5EC-4FC6-A684-3FDE2EA65648}"/>
+                <a16:creationId xmlns:a16="http://schemas.microsoft.com/office/drawing/2014/main" xmlns="" id="{EB3B4FDB-C5EC-4FC6-A684-3FDE2EA65648}"/>
               </a:ext>
             </a:extLst>
           </p:cNvPr>
@@ -3355,7 +3365,7 @@
           <p:cNvPr id="4" name="Symbol zastępczy daty 3">
             <a:extLst>
               <a:ext uri="{FF2B5EF4-FFF2-40B4-BE49-F238E27FC236}">
-                <a16:creationId xmlns:a16="http://schemas.microsoft.com/office/drawing/2014/main" id="{7F6FA52C-E9EF-4F15-A4B8-A14042629C74}"/>
+                <a16:creationId xmlns:a16="http://schemas.microsoft.com/office/drawing/2014/main" xmlns="" id="{7F6FA52C-E9EF-4F15-A4B8-A14042629C74}"/>
               </a:ext>
             </a:extLst>
           </p:cNvPr>
@@ -3391,7 +3401,7 @@
           <p:cNvPr id="5" name="Symbol zastępczy stopki 4">
             <a:extLst>
               <a:ext uri="{FF2B5EF4-FFF2-40B4-BE49-F238E27FC236}">
-                <a16:creationId xmlns:a16="http://schemas.microsoft.com/office/drawing/2014/main" id="{217D119C-15A9-473F-AA7E-4EDDC6D1CECB}"/>
+                <a16:creationId xmlns:a16="http://schemas.microsoft.com/office/drawing/2014/main" xmlns="" id="{217D119C-15A9-473F-AA7E-4EDDC6D1CECB}"/>
               </a:ext>
             </a:extLst>
           </p:cNvPr>
@@ -3427,7 +3437,7 @@
           <p:cNvPr id="6" name="Symbol zastępczy numeru slajdu 5">
             <a:extLst>
               <a:ext uri="{FF2B5EF4-FFF2-40B4-BE49-F238E27FC236}">
-                <a16:creationId xmlns:a16="http://schemas.microsoft.com/office/drawing/2014/main" id="{EE60E423-501B-4CBA-AD5B-A4128992E7B2}"/>
+                <a16:creationId xmlns:a16="http://schemas.microsoft.com/office/drawing/2014/main" xmlns="" id="{EE60E423-501B-4CBA-AD5B-A4128992E7B2}"/>
               </a:ext>
             </a:extLst>
           </p:cNvPr>
@@ -3686,7 +3696,7 @@
           <p:cNvPr id="5" name="Symbol zastępczy daty 3">
             <a:extLst>
               <a:ext uri="{FF2B5EF4-FFF2-40B4-BE49-F238E27FC236}">
-                <a16:creationId xmlns:a16="http://schemas.microsoft.com/office/drawing/2014/main" id="{267ED59B-53CC-4AA2-87E0-B0F82EEBD94F}"/>
+                <a16:creationId xmlns:a16="http://schemas.microsoft.com/office/drawing/2014/main" xmlns="" id="{267ED59B-53CC-4AA2-87E0-B0F82EEBD94F}"/>
               </a:ext>
             </a:extLst>
           </p:cNvPr>
@@ -3722,7 +3732,7 @@
           <p:cNvPr id="6" name="Symbol zastępczy stopki 4">
             <a:extLst>
               <a:ext uri="{FF2B5EF4-FFF2-40B4-BE49-F238E27FC236}">
-                <a16:creationId xmlns:a16="http://schemas.microsoft.com/office/drawing/2014/main" id="{6C5952BD-3A01-4966-99CF-CABCFA644007}"/>
+                <a16:creationId xmlns:a16="http://schemas.microsoft.com/office/drawing/2014/main" xmlns="" id="{6C5952BD-3A01-4966-99CF-CABCFA644007}"/>
               </a:ext>
             </a:extLst>
           </p:cNvPr>
@@ -3758,7 +3768,7 @@
           <p:cNvPr id="7" name="Symbol zastępczy numeru slajdu 5">
             <a:extLst>
               <a:ext uri="{FF2B5EF4-FFF2-40B4-BE49-F238E27FC236}">
-                <a16:creationId xmlns:a16="http://schemas.microsoft.com/office/drawing/2014/main" id="{59DCBAA7-D486-4E26-8F39-6B54F697AAEF}"/>
+                <a16:creationId xmlns:a16="http://schemas.microsoft.com/office/drawing/2014/main" xmlns="" id="{59DCBAA7-D486-4E26-8F39-6B54F697AAEF}"/>
               </a:ext>
             </a:extLst>
           </p:cNvPr>
@@ -4151,7 +4161,7 @@
           <p:cNvPr id="7" name="Symbol zastępczy daty 3">
             <a:extLst>
               <a:ext uri="{FF2B5EF4-FFF2-40B4-BE49-F238E27FC236}">
-                <a16:creationId xmlns:a16="http://schemas.microsoft.com/office/drawing/2014/main" id="{089B8381-8216-45CC-8D78-C70527B6107D}"/>
+                <a16:creationId xmlns:a16="http://schemas.microsoft.com/office/drawing/2014/main" xmlns="" id="{089B8381-8216-45CC-8D78-C70527B6107D}"/>
               </a:ext>
             </a:extLst>
           </p:cNvPr>
@@ -4187,7 +4197,7 @@
           <p:cNvPr id="8" name="Symbol zastępczy stopki 4">
             <a:extLst>
               <a:ext uri="{FF2B5EF4-FFF2-40B4-BE49-F238E27FC236}">
-                <a16:creationId xmlns:a16="http://schemas.microsoft.com/office/drawing/2014/main" id="{CF976F9B-BF58-48ED-BFC2-2C75AAFEE582}"/>
+                <a16:creationId xmlns:a16="http://schemas.microsoft.com/office/drawing/2014/main" xmlns="" id="{CF976F9B-BF58-48ED-BFC2-2C75AAFEE582}"/>
               </a:ext>
             </a:extLst>
           </p:cNvPr>
@@ -4223,7 +4233,7 @@
           <p:cNvPr id="9" name="Symbol zastępczy numeru slajdu 5">
             <a:extLst>
               <a:ext uri="{FF2B5EF4-FFF2-40B4-BE49-F238E27FC236}">
-                <a16:creationId xmlns:a16="http://schemas.microsoft.com/office/drawing/2014/main" id="{3C09754B-68D1-4D0F-A22E-9E75915110F9}"/>
+                <a16:creationId xmlns:a16="http://schemas.microsoft.com/office/drawing/2014/main" xmlns="" id="{3C09754B-68D1-4D0F-A22E-9E75915110F9}"/>
               </a:ext>
             </a:extLst>
           </p:cNvPr>
@@ -4314,7 +4324,7 @@
           <p:cNvPr id="3" name="Symbol zastępczy daty 3">
             <a:extLst>
               <a:ext uri="{FF2B5EF4-FFF2-40B4-BE49-F238E27FC236}">
-                <a16:creationId xmlns:a16="http://schemas.microsoft.com/office/drawing/2014/main" id="{E3B1253E-DC24-46D4-B0B1-DFCBC0B04E89}"/>
+                <a16:creationId xmlns:a16="http://schemas.microsoft.com/office/drawing/2014/main" xmlns="" id="{E3B1253E-DC24-46D4-B0B1-DFCBC0B04E89}"/>
               </a:ext>
             </a:extLst>
           </p:cNvPr>
@@ -4350,7 +4360,7 @@
           <p:cNvPr id="4" name="Symbol zastępczy stopki 4">
             <a:extLst>
               <a:ext uri="{FF2B5EF4-FFF2-40B4-BE49-F238E27FC236}">
-                <a16:creationId xmlns:a16="http://schemas.microsoft.com/office/drawing/2014/main" id="{6C69807C-25C7-4EC2-B77E-C51D17A9EF9B}"/>
+                <a16:creationId xmlns:a16="http://schemas.microsoft.com/office/drawing/2014/main" xmlns="" id="{6C69807C-25C7-4EC2-B77E-C51D17A9EF9B}"/>
               </a:ext>
             </a:extLst>
           </p:cNvPr>
@@ -4386,7 +4396,7 @@
           <p:cNvPr id="5" name="Symbol zastępczy numeru slajdu 5">
             <a:extLst>
               <a:ext uri="{FF2B5EF4-FFF2-40B4-BE49-F238E27FC236}">
-                <a16:creationId xmlns:a16="http://schemas.microsoft.com/office/drawing/2014/main" id="{05FF9C30-7938-4680-B58C-24F16A23426A}"/>
+                <a16:creationId xmlns:a16="http://schemas.microsoft.com/office/drawing/2014/main" xmlns="" id="{05FF9C30-7938-4680-B58C-24F16A23426A}"/>
               </a:ext>
             </a:extLst>
           </p:cNvPr>
@@ -4455,7 +4465,7 @@
           <p:cNvPr id="2" name="Symbol zastępczy daty 3">
             <a:extLst>
               <a:ext uri="{FF2B5EF4-FFF2-40B4-BE49-F238E27FC236}">
-                <a16:creationId xmlns:a16="http://schemas.microsoft.com/office/drawing/2014/main" id="{E39F76CC-3762-4DAB-91B7-25DA608986E7}"/>
+                <a16:creationId xmlns:a16="http://schemas.microsoft.com/office/drawing/2014/main" xmlns="" id="{E39F76CC-3762-4DAB-91B7-25DA608986E7}"/>
               </a:ext>
             </a:extLst>
           </p:cNvPr>
@@ -4491,7 +4501,7 @@
           <p:cNvPr id="3" name="Symbol zastępczy stopki 4">
             <a:extLst>
               <a:ext uri="{FF2B5EF4-FFF2-40B4-BE49-F238E27FC236}">
-                <a16:creationId xmlns:a16="http://schemas.microsoft.com/office/drawing/2014/main" id="{08B822BD-DB73-40BD-9A10-D90CACF5F560}"/>
+                <a16:creationId xmlns:a16="http://schemas.microsoft.com/office/drawing/2014/main" xmlns="" id="{08B822BD-DB73-40BD-9A10-D90CACF5F560}"/>
               </a:ext>
             </a:extLst>
           </p:cNvPr>
@@ -4527,7 +4537,7 @@
           <p:cNvPr id="4" name="Symbol zastępczy numeru slajdu 5">
             <a:extLst>
               <a:ext uri="{FF2B5EF4-FFF2-40B4-BE49-F238E27FC236}">
-                <a16:creationId xmlns:a16="http://schemas.microsoft.com/office/drawing/2014/main" id="{8C1A138D-B7B1-45F4-8E5F-CF67C96FAD6B}"/>
+                <a16:creationId xmlns:a16="http://schemas.microsoft.com/office/drawing/2014/main" xmlns="" id="{8C1A138D-B7B1-45F4-8E5F-CF67C96FAD6B}"/>
               </a:ext>
             </a:extLst>
           </p:cNvPr>
@@ -4776,7 +4786,7 @@
           <p:cNvPr id="5" name="Symbol zastępczy daty 3">
             <a:extLst>
               <a:ext uri="{FF2B5EF4-FFF2-40B4-BE49-F238E27FC236}">
-                <a16:creationId xmlns:a16="http://schemas.microsoft.com/office/drawing/2014/main" id="{221075F5-9717-4AD4-9F73-D98138DC5EC0}"/>
+                <a16:creationId xmlns:a16="http://schemas.microsoft.com/office/drawing/2014/main" xmlns="" id="{221075F5-9717-4AD4-9F73-D98138DC5EC0}"/>
               </a:ext>
             </a:extLst>
           </p:cNvPr>
@@ -4812,7 +4822,7 @@
           <p:cNvPr id="6" name="Symbol zastępczy stopki 4">
             <a:extLst>
               <a:ext uri="{FF2B5EF4-FFF2-40B4-BE49-F238E27FC236}">
-                <a16:creationId xmlns:a16="http://schemas.microsoft.com/office/drawing/2014/main" id="{528161BC-9F86-4B21-96FC-58EC33227881}"/>
+                <a16:creationId xmlns:a16="http://schemas.microsoft.com/office/drawing/2014/main" xmlns="" id="{528161BC-9F86-4B21-96FC-58EC33227881}"/>
               </a:ext>
             </a:extLst>
           </p:cNvPr>
@@ -4848,7 +4858,7 @@
           <p:cNvPr id="7" name="Symbol zastępczy numeru slajdu 5">
             <a:extLst>
               <a:ext uri="{FF2B5EF4-FFF2-40B4-BE49-F238E27FC236}">
-                <a16:creationId xmlns:a16="http://schemas.microsoft.com/office/drawing/2014/main" id="{B1BEAA1A-DABA-4EB2-A730-6813761823EF}"/>
+                <a16:creationId xmlns:a16="http://schemas.microsoft.com/office/drawing/2014/main" xmlns="" id="{B1BEAA1A-DABA-4EB2-A730-6813761823EF}"/>
               </a:ext>
             </a:extLst>
           </p:cNvPr>
@@ -5077,7 +5087,7 @@
           <p:cNvPr id="5" name="Symbol zastępczy daty 3">
             <a:extLst>
               <a:ext uri="{FF2B5EF4-FFF2-40B4-BE49-F238E27FC236}">
-                <a16:creationId xmlns:a16="http://schemas.microsoft.com/office/drawing/2014/main" id="{95A508E4-25E1-4B5E-83FF-4616D16EB542}"/>
+                <a16:creationId xmlns:a16="http://schemas.microsoft.com/office/drawing/2014/main" xmlns="" id="{95A508E4-25E1-4B5E-83FF-4616D16EB542}"/>
               </a:ext>
             </a:extLst>
           </p:cNvPr>
@@ -5113,7 +5123,7 @@
           <p:cNvPr id="6" name="Symbol zastępczy stopki 4">
             <a:extLst>
               <a:ext uri="{FF2B5EF4-FFF2-40B4-BE49-F238E27FC236}">
-                <a16:creationId xmlns:a16="http://schemas.microsoft.com/office/drawing/2014/main" id="{EB5B356B-03B1-450C-A2D0-02ACE6519F3B}"/>
+                <a16:creationId xmlns:a16="http://schemas.microsoft.com/office/drawing/2014/main" xmlns="" id="{EB5B356B-03B1-450C-A2D0-02ACE6519F3B}"/>
               </a:ext>
             </a:extLst>
           </p:cNvPr>
@@ -5149,7 +5159,7 @@
           <p:cNvPr id="7" name="Symbol zastępczy numeru slajdu 5">
             <a:extLst>
               <a:ext uri="{FF2B5EF4-FFF2-40B4-BE49-F238E27FC236}">
-                <a16:creationId xmlns:a16="http://schemas.microsoft.com/office/drawing/2014/main" id="{BC205F3A-3141-4245-A146-184827135164}"/>
+                <a16:creationId xmlns:a16="http://schemas.microsoft.com/office/drawing/2014/main" xmlns="" id="{BC205F3A-3141-4245-A146-184827135164}"/>
               </a:ext>
             </a:extLst>
           </p:cNvPr>
@@ -5226,7 +5236,7 @@
           <p:cNvPr id="1026" name="Symbol zastępczy tytułu 1">
             <a:extLst>
               <a:ext uri="{FF2B5EF4-FFF2-40B4-BE49-F238E27FC236}">
-                <a16:creationId xmlns:a16="http://schemas.microsoft.com/office/drawing/2014/main" id="{5F844AA4-E2DD-44CF-909F-98EB42A9BBE1}"/>
+                <a16:creationId xmlns:a16="http://schemas.microsoft.com/office/drawing/2014/main" xmlns="" id="{5F844AA4-E2DD-44CF-909F-98EB42A9BBE1}"/>
               </a:ext>
             </a:extLst>
           </p:cNvPr>
@@ -5290,7 +5300,7 @@
           <p:cNvPr id="1027" name="Symbol zastępczy tekstu 2">
             <a:extLst>
               <a:ext uri="{FF2B5EF4-FFF2-40B4-BE49-F238E27FC236}">
-                <a16:creationId xmlns:a16="http://schemas.microsoft.com/office/drawing/2014/main" id="{E83E7B25-6A89-4AAA-84E2-281CEB2EBA8B}"/>
+                <a16:creationId xmlns:a16="http://schemas.microsoft.com/office/drawing/2014/main" xmlns="" id="{E83E7B25-6A89-4AAA-84E2-281CEB2EBA8B}"/>
               </a:ext>
             </a:extLst>
           </p:cNvPr>
@@ -5382,7 +5392,7 @@
           <p:cNvPr id="4" name="Symbol zastępczy daty 3">
             <a:extLst>
               <a:ext uri="{FF2B5EF4-FFF2-40B4-BE49-F238E27FC236}">
-                <a16:creationId xmlns:a16="http://schemas.microsoft.com/office/drawing/2014/main" id="{A0BA7966-512E-4C35-A303-EC03F77BD6BF}"/>
+                <a16:creationId xmlns:a16="http://schemas.microsoft.com/office/drawing/2014/main" xmlns="" id="{A0BA7966-512E-4C35-A303-EC03F77BD6BF}"/>
               </a:ext>
             </a:extLst>
           </p:cNvPr>
@@ -5439,7 +5449,7 @@
           <p:cNvPr id="5" name="Symbol zastępczy stopki 4">
             <a:extLst>
               <a:ext uri="{FF2B5EF4-FFF2-40B4-BE49-F238E27FC236}">
-                <a16:creationId xmlns:a16="http://schemas.microsoft.com/office/drawing/2014/main" id="{8C1FE77D-BABE-49FE-9E17-24200490AA42}"/>
+                <a16:creationId xmlns:a16="http://schemas.microsoft.com/office/drawing/2014/main" xmlns="" id="{8C1FE77D-BABE-49FE-9E17-24200490AA42}"/>
               </a:ext>
             </a:extLst>
           </p:cNvPr>
@@ -5496,7 +5506,7 @@
           <p:cNvPr id="6" name="Symbol zastępczy numeru slajdu 5">
             <a:extLst>
               <a:ext uri="{FF2B5EF4-FFF2-40B4-BE49-F238E27FC236}">
-                <a16:creationId xmlns:a16="http://schemas.microsoft.com/office/drawing/2014/main" id="{0D3CA83B-9A09-48A9-A960-502DD2242CA1}"/>
+                <a16:creationId xmlns:a16="http://schemas.microsoft.com/office/drawing/2014/main" xmlns="" id="{0D3CA83B-9A09-48A9-A960-502DD2242CA1}"/>
               </a:ext>
             </a:extLst>
           </p:cNvPr>
@@ -5967,7 +5977,7 @@
           <p:cNvPr id="4098" name="Tytuł 1">
             <a:extLst>
               <a:ext uri="{FF2B5EF4-FFF2-40B4-BE49-F238E27FC236}">
-                <a16:creationId xmlns:a16="http://schemas.microsoft.com/office/drawing/2014/main" id="{B348D356-598C-4F0F-A191-75BA34253333}"/>
+                <a16:creationId xmlns:a16="http://schemas.microsoft.com/office/drawing/2014/main" xmlns="" id="{B348D356-598C-4F0F-A191-75BA34253333}"/>
               </a:ext>
             </a:extLst>
           </p:cNvPr>
@@ -6001,7 +6011,7 @@
           <p:cNvPr id="3" name="Content Placeholder 2">
             <a:extLst>
               <a:ext uri="{FF2B5EF4-FFF2-40B4-BE49-F238E27FC236}">
-                <a16:creationId xmlns:a16="http://schemas.microsoft.com/office/drawing/2014/main" id="{BCC39334-EA4F-4A11-B8C6-D12EA37D6301}"/>
+                <a16:creationId xmlns:a16="http://schemas.microsoft.com/office/drawing/2014/main" xmlns="" id="{BCC39334-EA4F-4A11-B8C6-D12EA37D6301}"/>
               </a:ext>
             </a:extLst>
           </p:cNvPr>
@@ -6012,7 +6022,7 @@
             <p:ph idx="1"/>
             <p:extLst>
               <p:ext uri="{D42A27DB-BD31-4B8C-83A1-F6EECF244321}">
-                <p14:modId xmlns:p14="http://schemas.microsoft.com/office/powerpoint/2010/main" val="4217623083"/>
+                <p14:modId xmlns:p14="http://schemas.microsoft.com/office/powerpoint/2010/main" val="1545192576"/>
               </p:ext>
             </p:extLst>
           </p:nvPr>
@@ -6031,14 +6041,14 @@
                 <a:gridCol w="2892669">
                   <a:extLst>
                     <a:ext uri="{9D8B030D-6E8A-4147-A177-3AD203B41FA5}">
-                      <a16:colId xmlns:a16="http://schemas.microsoft.com/office/drawing/2014/main" val="20000"/>
+                      <a16:colId xmlns:a16="http://schemas.microsoft.com/office/drawing/2014/main" xmlns="" val="20000"/>
                     </a:ext>
                   </a:extLst>
                 </a:gridCol>
                 <a:gridCol w="5336931">
                   <a:extLst>
                     <a:ext uri="{9D8B030D-6E8A-4147-A177-3AD203B41FA5}">
-                      <a16:colId xmlns:a16="http://schemas.microsoft.com/office/drawing/2014/main" val="20001"/>
+                      <a16:colId xmlns:a16="http://schemas.microsoft.com/office/drawing/2014/main" xmlns="" val="20001"/>
                     </a:ext>
                   </a:extLst>
                 </a:gridCol>
@@ -6075,7 +6085,7 @@
                 </a:tc>
                 <a:extLst>
                   <a:ext uri="{0D108BD9-81ED-4DB2-BD59-A6C34878D82A}">
-                    <a16:rowId xmlns:a16="http://schemas.microsoft.com/office/drawing/2014/main" val="10000"/>
+                    <a16:rowId xmlns:a16="http://schemas.microsoft.com/office/drawing/2014/main" xmlns="" val="10000"/>
                   </a:ext>
                 </a:extLst>
               </a:tr>
@@ -6101,8 +6111,12 @@
                     <a:lstStyle/>
                     <a:p>
                       <a:r>
-                        <a:rPr lang="pl-PL" sz="1800" dirty="0"/>
-                        <a:t>Model kinematyki samochodu</a:t>
+                        <a:rPr lang="pl-PL" sz="1800" dirty="0" smtClean="0"/>
+                        <a:t>Architektura</a:t>
+                      </a:r>
+                      <a:r>
+                        <a:rPr lang="pl-PL" sz="1800" baseline="0" dirty="0" smtClean="0"/>
+                        <a:t> systemów sterowania w samochodach</a:t>
                       </a:r>
                       <a:endParaRPr lang="en-US" sz="1800" dirty="0"/>
                     </a:p>
@@ -6111,7 +6125,7 @@
                 </a:tc>
                 <a:extLst>
                   <a:ext uri="{0D108BD9-81ED-4DB2-BD59-A6C34878D82A}">
-                    <a16:rowId xmlns:a16="http://schemas.microsoft.com/office/drawing/2014/main" val="10001"/>
+                    <a16:rowId xmlns:a16="http://schemas.microsoft.com/office/drawing/2014/main" xmlns="" val="10001"/>
                   </a:ext>
                 </a:extLst>
               </a:tr>
@@ -6151,7 +6165,7 @@
                 </a:tc>
                 <a:extLst>
                   <a:ext uri="{0D108BD9-81ED-4DB2-BD59-A6C34878D82A}">
-                    <a16:rowId xmlns:a16="http://schemas.microsoft.com/office/drawing/2014/main" val="10002"/>
+                    <a16:rowId xmlns:a16="http://schemas.microsoft.com/office/drawing/2014/main" xmlns="" val="10002"/>
                   </a:ext>
                 </a:extLst>
               </a:tr>
@@ -6195,7 +6209,7 @@
                 </a:tc>
                 <a:extLst>
                   <a:ext uri="{0D108BD9-81ED-4DB2-BD59-A6C34878D82A}">
-                    <a16:rowId xmlns:a16="http://schemas.microsoft.com/office/drawing/2014/main" val="10003"/>
+                    <a16:rowId xmlns:a16="http://schemas.microsoft.com/office/drawing/2014/main" xmlns="" val="10003"/>
                   </a:ext>
                 </a:extLst>
               </a:tr>
@@ -6260,7 +6274,7 @@
                 </a:tc>
                 <a:extLst>
                   <a:ext uri="{0D108BD9-81ED-4DB2-BD59-A6C34878D82A}">
-                    <a16:rowId xmlns:a16="http://schemas.microsoft.com/office/drawing/2014/main" val="10004"/>
+                    <a16:rowId xmlns:a16="http://schemas.microsoft.com/office/drawing/2014/main" xmlns="" val="10004"/>
                   </a:ext>
                 </a:extLst>
               </a:tr>
@@ -6273,7 +6287,7 @@
           <p:cNvPr id="4118" name="Symbol zastępczy numeru slajdu 3">
             <a:extLst>
               <a:ext uri="{FF2B5EF4-FFF2-40B4-BE49-F238E27FC236}">
-                <a16:creationId xmlns:a16="http://schemas.microsoft.com/office/drawing/2014/main" id="{CE8B9588-55EB-4F3F-9470-684DFABD27C7}"/>
+                <a16:creationId xmlns:a16="http://schemas.microsoft.com/office/drawing/2014/main" xmlns="" id="{CE8B9588-55EB-4F3F-9470-684DFABD27C7}"/>
               </a:ext>
             </a:extLst>
           </p:cNvPr>
@@ -6475,7 +6489,7 @@
           <p:cNvPr id="6" name="Symbol zastępczy daty 5">
             <a:extLst>
               <a:ext uri="{FF2B5EF4-FFF2-40B4-BE49-F238E27FC236}">
-                <a16:creationId xmlns:a16="http://schemas.microsoft.com/office/drawing/2014/main" id="{C4A5320C-99E4-4EFE-9781-35FAD00DAEB3}"/>
+                <a16:creationId xmlns:a16="http://schemas.microsoft.com/office/drawing/2014/main" xmlns="" id="{C4A5320C-99E4-4EFE-9781-35FAD00DAEB3}"/>
               </a:ext>
             </a:extLst>
           </p:cNvPr>
@@ -6507,7 +6521,7 @@
           <p:cNvPr id="7" name="Symbol zastępczy stopki 6">
             <a:extLst>
               <a:ext uri="{FF2B5EF4-FFF2-40B4-BE49-F238E27FC236}">
-                <a16:creationId xmlns:a16="http://schemas.microsoft.com/office/drawing/2014/main" id="{AA336492-9436-4D91-9843-A808C09D30CC}"/>
+                <a16:creationId xmlns:a16="http://schemas.microsoft.com/office/drawing/2014/main" xmlns="" id="{AA336492-9436-4D91-9843-A808C09D30CC}"/>
               </a:ext>
             </a:extLst>
           </p:cNvPr>
@@ -6539,7 +6553,7 @@
           <p:cNvPr id="4121" name="Group 4">
             <a:extLst>
               <a:ext uri="{FF2B5EF4-FFF2-40B4-BE49-F238E27FC236}">
-                <a16:creationId xmlns:a16="http://schemas.microsoft.com/office/drawing/2014/main" id="{C0BFB8C5-A429-4BD1-938D-5737F8BA5C4B}"/>
+                <a16:creationId xmlns:a16="http://schemas.microsoft.com/office/drawing/2014/main" xmlns="" id="{C0BFB8C5-A429-4BD1-938D-5737F8BA5C4B}"/>
               </a:ext>
             </a:extLst>
           </p:cNvPr>
@@ -6561,7 +6575,7 @@
             <p:cNvPr id="4122" name="Picture 1" descr="59a7622afc">
               <a:extLst>
                 <a:ext uri="{FF2B5EF4-FFF2-40B4-BE49-F238E27FC236}">
-                  <a16:creationId xmlns:a16="http://schemas.microsoft.com/office/drawing/2014/main" id="{8C9B6330-4B55-49BB-945C-B4D543B9D6AE}"/>
+                  <a16:creationId xmlns:a16="http://schemas.microsoft.com/office/drawing/2014/main" xmlns="" id="{8C9B6330-4B55-49BB-945C-B4D543B9D6AE}"/>
                 </a:ext>
               </a:extLst>
             </p:cNvPr>
@@ -6621,7 +6635,7 @@
             <p:cNvPr id="4123" name="Picture 2" descr="logo-eaiib">
               <a:extLst>
                 <a:ext uri="{FF2B5EF4-FFF2-40B4-BE49-F238E27FC236}">
-                  <a16:creationId xmlns:a16="http://schemas.microsoft.com/office/drawing/2014/main" id="{1ADB8374-8745-4327-91B8-2059ED249D4F}"/>
+                  <a16:creationId xmlns:a16="http://schemas.microsoft.com/office/drawing/2014/main" xmlns="" id="{1ADB8374-8745-4327-91B8-2059ED249D4F}"/>
                 </a:ext>
               </a:extLst>
             </p:cNvPr>
@@ -6681,7 +6695,7 @@
             <p:cNvPr id="4124" name="Picture 3">
               <a:extLst>
                 <a:ext uri="{FF2B5EF4-FFF2-40B4-BE49-F238E27FC236}">
-                  <a16:creationId xmlns:a16="http://schemas.microsoft.com/office/drawing/2014/main" id="{2F2B6BC0-F5DE-42B2-8472-302ECEF9CA12}"/>
+                  <a16:creationId xmlns:a16="http://schemas.microsoft.com/office/drawing/2014/main" xmlns="" id="{2F2B6BC0-F5DE-42B2-8472-302ECEF9CA12}"/>
                 </a:ext>
               </a:extLst>
             </p:cNvPr>
@@ -6741,7 +6755,7 @@
             <p:cNvPr id="4125" name="Obraz 3" descr="Opis: logo_autonomous_vehicle_color.png">
               <a:extLst>
                 <a:ext uri="{FF2B5EF4-FFF2-40B4-BE49-F238E27FC236}">
-                  <a16:creationId xmlns:a16="http://schemas.microsoft.com/office/drawing/2014/main" id="{CE9F685F-39ED-4C6B-835D-C7B77CD7F9EB}"/>
+                  <a16:creationId xmlns:a16="http://schemas.microsoft.com/office/drawing/2014/main" xmlns="" id="{CE9F685F-39ED-4C6B-835D-C7B77CD7F9EB}"/>
                 </a:ext>
               </a:extLst>
             </p:cNvPr>
@@ -6827,7 +6841,7 @@
           <p:cNvPr id="6146" name="Tytuł 1">
             <a:extLst>
               <a:ext uri="{FF2B5EF4-FFF2-40B4-BE49-F238E27FC236}">
-                <a16:creationId xmlns:a16="http://schemas.microsoft.com/office/drawing/2014/main" id="{ABF5A8D4-0581-44F3-9CA5-FAAE1588E46E}"/>
+                <a16:creationId xmlns:a16="http://schemas.microsoft.com/office/drawing/2014/main" xmlns="" id="{ABF5A8D4-0581-44F3-9CA5-FAAE1588E46E}"/>
               </a:ext>
             </a:extLst>
           </p:cNvPr>
@@ -6866,7 +6880,7 @@
           <p:cNvPr id="6147" name="Symbol zastępczy numeru slajdu 3">
             <a:extLst>
               <a:ext uri="{FF2B5EF4-FFF2-40B4-BE49-F238E27FC236}">
-                <a16:creationId xmlns:a16="http://schemas.microsoft.com/office/drawing/2014/main" id="{47E35F72-7969-4C40-BCC0-8236643FCD8E}"/>
+                <a16:creationId xmlns:a16="http://schemas.microsoft.com/office/drawing/2014/main" xmlns="" id="{47E35F72-7969-4C40-BCC0-8236643FCD8E}"/>
               </a:ext>
             </a:extLst>
           </p:cNvPr>
@@ -7068,7 +7082,7 @@
           <p:cNvPr id="6" name="Symbol zastępczy daty 5">
             <a:extLst>
               <a:ext uri="{FF2B5EF4-FFF2-40B4-BE49-F238E27FC236}">
-                <a16:creationId xmlns:a16="http://schemas.microsoft.com/office/drawing/2014/main" id="{D63DD4DE-E50C-4CA2-83AC-2E642E2F2E00}"/>
+                <a16:creationId xmlns:a16="http://schemas.microsoft.com/office/drawing/2014/main" xmlns="" id="{D63DD4DE-E50C-4CA2-83AC-2E642E2F2E00}"/>
               </a:ext>
             </a:extLst>
           </p:cNvPr>
@@ -7100,7 +7114,7 @@
           <p:cNvPr id="7" name="Symbol zastępczy stopki 6">
             <a:extLst>
               <a:ext uri="{FF2B5EF4-FFF2-40B4-BE49-F238E27FC236}">
-                <a16:creationId xmlns:a16="http://schemas.microsoft.com/office/drawing/2014/main" id="{91C936D9-8223-4393-8CBD-59AD40AD4EB5}"/>
+                <a16:creationId xmlns:a16="http://schemas.microsoft.com/office/drawing/2014/main" xmlns="" id="{91C936D9-8223-4393-8CBD-59AD40AD4EB5}"/>
               </a:ext>
             </a:extLst>
           </p:cNvPr>
@@ -7127,14 +7141,14 @@
           </a:p>
         </p:txBody>
       </p:sp>
-      <mc:AlternateContent xmlns:mc="http://schemas.openxmlformats.org/markup-compatibility/2006">
-        <mc:Choice xmlns:a14="http://schemas.microsoft.com/office/drawing/2010/main" Requires="a14">
+      <mc:AlternateContent xmlns:mc="http://schemas.openxmlformats.org/markup-compatibility/2006" xmlns:a14="http://schemas.microsoft.com/office/drawing/2010/main">
+        <mc:Choice Requires="a14">
           <p:sp>
             <p:nvSpPr>
               <p:cNvPr id="2" name="pole tekstowe 1">
                 <a:extLst>
                   <a:ext uri="{FF2B5EF4-FFF2-40B4-BE49-F238E27FC236}">
-                    <a16:creationId xmlns:a16="http://schemas.microsoft.com/office/drawing/2014/main" id="{EC16A84E-90B0-4BFF-8AFC-745D8ED01C15}"/>
+                    <a16:creationId xmlns:a16="http://schemas.microsoft.com/office/drawing/2014/main" xmlns="" id="{EC16A84E-90B0-4BFF-8AFC-745D8ED01C15}"/>
                   </a:ext>
                 </a:extLst>
               </p:cNvPr>
@@ -7177,6 +7191,7 @@
                 </a:r>
               </a:p>
               <a:p>
+                <a:pPr/>
                 <a14:m>
                   <m:oMathPara xmlns:m="http://schemas.openxmlformats.org/officeDocument/2006/math">
                     <m:oMathParaPr>
@@ -7199,7 +7214,7 @@
                         <m:funcPr>
                           <m:ctrlPr>
                             <a:rPr lang="pl-PL" b="0" i="1" smtClean="0">
-                              <a:latin typeface="Cambria Math" panose="02040503050406030204" pitchFamily="18" charset="0"/>
+                              <a:latin typeface="Cambria Math"/>
                             </a:rPr>
                           </m:ctrlPr>
                         </m:funcPr>
@@ -7219,7 +7234,7 @@
                             <m:dPr>
                               <m:ctrlPr>
                                 <a:rPr lang="pl-PL" b="0" i="1" smtClean="0">
-                                  <a:latin typeface="Cambria Math" panose="02040503050406030204" pitchFamily="18" charset="0"/>
+                                  <a:latin typeface="Cambria Math"/>
                                 </a:rPr>
                               </m:ctrlPr>
                             </m:dPr>
@@ -7262,7 +7277,7 @@
                         <m:fPr>
                           <m:ctrlPr>
                             <a:rPr lang="pl-PL" b="0" i="1" smtClean="0">
-                              <a:latin typeface="Cambria Math" panose="02040503050406030204" pitchFamily="18" charset="0"/>
+                              <a:latin typeface="Cambria Math"/>
                               <a:ea typeface="Cambria Math" panose="02040503050406030204" pitchFamily="18" charset="0"/>
                             </a:rPr>
                           </m:ctrlPr>
@@ -7310,7 +7325,7 @@
             </p:txBody>
           </p:sp>
         </mc:Choice>
-        <mc:Fallback>
+        <mc:Fallback xmlns="">
           <p:sp>
             <p:nvSpPr>
               <p:cNvPr id="2" name="pole tekstowe 1">
@@ -7385,7 +7400,7 @@
           <p:cNvPr id="8194" name="Tytuł 1">
             <a:extLst>
               <a:ext uri="{FF2B5EF4-FFF2-40B4-BE49-F238E27FC236}">
-                <a16:creationId xmlns:a16="http://schemas.microsoft.com/office/drawing/2014/main" id="{B90EFA88-F91C-4B8D-B17C-96104C12F57E}"/>
+                <a16:creationId xmlns:a16="http://schemas.microsoft.com/office/drawing/2014/main" xmlns="" id="{B90EFA88-F91C-4B8D-B17C-96104C12F57E}"/>
               </a:ext>
             </a:extLst>
           </p:cNvPr>
@@ -7424,7 +7439,7 @@
           <p:cNvPr id="8195" name="Symbol zastępczy numeru slajdu 3">
             <a:extLst>
               <a:ext uri="{FF2B5EF4-FFF2-40B4-BE49-F238E27FC236}">
-                <a16:creationId xmlns:a16="http://schemas.microsoft.com/office/drawing/2014/main" id="{7B9B41F0-74A3-43AF-ACCF-8873D49E98D5}"/>
+                <a16:creationId xmlns:a16="http://schemas.microsoft.com/office/drawing/2014/main" xmlns="" id="{7B9B41F0-74A3-43AF-ACCF-8873D49E98D5}"/>
               </a:ext>
             </a:extLst>
           </p:cNvPr>
@@ -7626,7 +7641,7 @@
           <p:cNvPr id="6" name="Symbol zastępczy daty 5">
             <a:extLst>
               <a:ext uri="{FF2B5EF4-FFF2-40B4-BE49-F238E27FC236}">
-                <a16:creationId xmlns:a16="http://schemas.microsoft.com/office/drawing/2014/main" id="{1E57C8A5-79AE-4020-9F94-1B26AFFE5F02}"/>
+                <a16:creationId xmlns:a16="http://schemas.microsoft.com/office/drawing/2014/main" xmlns="" id="{1E57C8A5-79AE-4020-9F94-1B26AFFE5F02}"/>
               </a:ext>
             </a:extLst>
           </p:cNvPr>
@@ -7658,7 +7673,7 @@
           <p:cNvPr id="7" name="Symbol zastępczy stopki 6">
             <a:extLst>
               <a:ext uri="{FF2B5EF4-FFF2-40B4-BE49-F238E27FC236}">
-                <a16:creationId xmlns:a16="http://schemas.microsoft.com/office/drawing/2014/main" id="{540FBF6D-62F0-48EA-9ECE-0F33DDAC3BE0}"/>
+                <a16:creationId xmlns:a16="http://schemas.microsoft.com/office/drawing/2014/main" xmlns="" id="{540FBF6D-62F0-48EA-9ECE-0F33DDAC3BE0}"/>
               </a:ext>
             </a:extLst>
           </p:cNvPr>
@@ -7715,7 +7730,7 @@
           <p:cNvPr id="10242" name="Tytuł 1">
             <a:extLst>
               <a:ext uri="{FF2B5EF4-FFF2-40B4-BE49-F238E27FC236}">
-                <a16:creationId xmlns:a16="http://schemas.microsoft.com/office/drawing/2014/main" id="{F2BD3071-640D-468B-94DB-1D197D829254}"/>
+                <a16:creationId xmlns:a16="http://schemas.microsoft.com/office/drawing/2014/main" xmlns="" id="{F2BD3071-640D-468B-94DB-1D197D829254}"/>
               </a:ext>
             </a:extLst>
           </p:cNvPr>
@@ -7754,7 +7769,7 @@
           <p:cNvPr id="10243" name="Symbol zastępczy numeru slajdu 3">
             <a:extLst>
               <a:ext uri="{FF2B5EF4-FFF2-40B4-BE49-F238E27FC236}">
-                <a16:creationId xmlns:a16="http://schemas.microsoft.com/office/drawing/2014/main" id="{1B0BE0FE-08ED-42CA-89BC-A3C550BD95C5}"/>
+                <a16:creationId xmlns:a16="http://schemas.microsoft.com/office/drawing/2014/main" xmlns="" id="{1B0BE0FE-08ED-42CA-89BC-A3C550BD95C5}"/>
               </a:ext>
             </a:extLst>
           </p:cNvPr>
@@ -7956,7 +7971,7 @@
           <p:cNvPr id="6" name="Symbol zastępczy daty 5">
             <a:extLst>
               <a:ext uri="{FF2B5EF4-FFF2-40B4-BE49-F238E27FC236}">
-                <a16:creationId xmlns:a16="http://schemas.microsoft.com/office/drawing/2014/main" id="{042761D1-4A2D-46ED-ABA7-58D97E2CF24D}"/>
+                <a16:creationId xmlns:a16="http://schemas.microsoft.com/office/drawing/2014/main" xmlns="" id="{042761D1-4A2D-46ED-ABA7-58D97E2CF24D}"/>
               </a:ext>
             </a:extLst>
           </p:cNvPr>
@@ -7988,7 +8003,7 @@
           <p:cNvPr id="7" name="Symbol zastępczy stopki 6">
             <a:extLst>
               <a:ext uri="{FF2B5EF4-FFF2-40B4-BE49-F238E27FC236}">
-                <a16:creationId xmlns:a16="http://schemas.microsoft.com/office/drawing/2014/main" id="{C427A2E0-AC89-4124-8939-6F39408788F3}"/>
+                <a16:creationId xmlns:a16="http://schemas.microsoft.com/office/drawing/2014/main" xmlns="" id="{C427A2E0-AC89-4124-8939-6F39408788F3}"/>
               </a:ext>
             </a:extLst>
           </p:cNvPr>
@@ -8019,7 +8034,7 @@
           <p:cNvPr id="10246" name="pole tekstowe 16">
             <a:extLst>
               <a:ext uri="{FF2B5EF4-FFF2-40B4-BE49-F238E27FC236}">
-                <a16:creationId xmlns:a16="http://schemas.microsoft.com/office/drawing/2014/main" id="{A0F4B9CE-CFB4-4BBD-B5B0-7306856E28FD}"/>
+                <a16:creationId xmlns:a16="http://schemas.microsoft.com/office/drawing/2014/main" xmlns="" id="{A0F4B9CE-CFB4-4BBD-B5B0-7306856E28FD}"/>
               </a:ext>
             </a:extLst>
           </p:cNvPr>
@@ -8219,7 +8234,7 @@
           <p:cNvPr id="10247" name="Obraz 2">
             <a:extLst>
               <a:ext uri="{FF2B5EF4-FFF2-40B4-BE49-F238E27FC236}">
-                <a16:creationId xmlns:a16="http://schemas.microsoft.com/office/drawing/2014/main" id="{6ACE65B3-D5D8-4F96-8DE3-CE38DC871F24}"/>
+                <a16:creationId xmlns:a16="http://schemas.microsoft.com/office/drawing/2014/main" xmlns="" id="{6ACE65B3-D5D8-4F96-8DE3-CE38DC871F24}"/>
               </a:ext>
             </a:extLst>
           </p:cNvPr>
@@ -8279,7 +8294,7 @@
           <p:cNvPr id="10248" name="Obraz 4">
             <a:extLst>
               <a:ext uri="{FF2B5EF4-FFF2-40B4-BE49-F238E27FC236}">
-                <a16:creationId xmlns:a16="http://schemas.microsoft.com/office/drawing/2014/main" id="{349B5729-467C-41CA-93F9-B28CB424DB40}"/>
+                <a16:creationId xmlns:a16="http://schemas.microsoft.com/office/drawing/2014/main" xmlns="" id="{349B5729-467C-41CA-93F9-B28CB424DB40}"/>
               </a:ext>
             </a:extLst>
           </p:cNvPr>
@@ -8339,7 +8354,7 @@
           <p:cNvPr id="10249" name="Prostokąt 1">
             <a:extLst>
               <a:ext uri="{FF2B5EF4-FFF2-40B4-BE49-F238E27FC236}">
-                <a16:creationId xmlns:a16="http://schemas.microsoft.com/office/drawing/2014/main" id="{02D2353F-5C8C-414A-93B7-B0F4FE2653DF}"/>
+                <a16:creationId xmlns:a16="http://schemas.microsoft.com/office/drawing/2014/main" xmlns="" id="{02D2353F-5C8C-414A-93B7-B0F4FE2653DF}"/>
               </a:ext>
             </a:extLst>
           </p:cNvPr>
@@ -8500,7 +8515,7 @@
           <p:cNvPr id="4" name="Łącznik prosty ze strzałką 3">
             <a:extLst>
               <a:ext uri="{FF2B5EF4-FFF2-40B4-BE49-F238E27FC236}">
-                <a16:creationId xmlns:a16="http://schemas.microsoft.com/office/drawing/2014/main" id="{08795B3E-1C6B-4F52-8606-B3CB3BA6CA84}"/>
+                <a16:creationId xmlns:a16="http://schemas.microsoft.com/office/drawing/2014/main" xmlns="" id="{08795B3E-1C6B-4F52-8606-B3CB3BA6CA84}"/>
               </a:ext>
             </a:extLst>
           </p:cNvPr>
@@ -8539,7 +8554,7 @@
           <p:cNvPr id="12" name="Łącznik prosty ze strzałką 11">
             <a:extLst>
               <a:ext uri="{FF2B5EF4-FFF2-40B4-BE49-F238E27FC236}">
-                <a16:creationId xmlns:a16="http://schemas.microsoft.com/office/drawing/2014/main" id="{2C9B04EB-C73C-49C4-BF57-64816ADC7A5E}"/>
+                <a16:creationId xmlns:a16="http://schemas.microsoft.com/office/drawing/2014/main" xmlns="" id="{2C9B04EB-C73C-49C4-BF57-64816ADC7A5E}"/>
               </a:ext>
             </a:extLst>
           </p:cNvPr>
@@ -8605,7 +8620,7 @@
           <p:cNvPr id="12290" name="Tytuł 1">
             <a:extLst>
               <a:ext uri="{FF2B5EF4-FFF2-40B4-BE49-F238E27FC236}">
-                <a16:creationId xmlns:a16="http://schemas.microsoft.com/office/drawing/2014/main" id="{8DC32D7B-D560-4E0F-84E6-D7CFA1D1E61C}"/>
+                <a16:creationId xmlns:a16="http://schemas.microsoft.com/office/drawing/2014/main" xmlns="" id="{8DC32D7B-D560-4E0F-84E6-D7CFA1D1E61C}"/>
               </a:ext>
             </a:extLst>
           </p:cNvPr>
@@ -8639,7 +8654,7 @@
           <p:cNvPr id="12291" name="Symbol zastępczy zawartości 2">
             <a:extLst>
               <a:ext uri="{FF2B5EF4-FFF2-40B4-BE49-F238E27FC236}">
-                <a16:creationId xmlns:a16="http://schemas.microsoft.com/office/drawing/2014/main" id="{8BEF004B-E133-45FA-BA6B-AE22DED370E9}"/>
+                <a16:creationId xmlns:a16="http://schemas.microsoft.com/office/drawing/2014/main" xmlns="" id="{8BEF004B-E133-45FA-BA6B-AE22DED370E9}"/>
               </a:ext>
             </a:extLst>
           </p:cNvPr>
@@ -8668,16 +8683,24 @@
               <a:buNone/>
             </a:pPr>
             <a:r>
-              <a:rPr lang="pl-PL" altLang="en-US" sz="2400"/>
-              <a:t>Wykorzystując model dynamiczny oraz pakiet </a:t>
-            </a:r>
-            <a:r>
-              <a:rPr lang="pl-PL" altLang="en-US" sz="2400" i="1"/>
-              <a:t>System Identification Toolbox </a:t>
-            </a:r>
-            <a:r>
-              <a:rPr lang="pl-PL" altLang="en-US" sz="2400"/>
-              <a:t>środowiska MATLAB przeprowadzono identyfikacje modeli swobodnego zatrzymania się oraz przyspieszania elektrycznego pojazdu EVE. </a:t>
+              <a:rPr lang="pl-PL" altLang="en-US" sz="2400" dirty="0"/>
+              <a:t>Wykorzystując </a:t>
+            </a:r>
+            <a:r>
+              <a:rPr lang="pl-PL" altLang="en-US" sz="2400" dirty="0" smtClean="0"/>
+              <a:t>środowisko </a:t>
+            </a:r>
+            <a:r>
+              <a:rPr lang="pl-PL" altLang="en-US" sz="2400" dirty="0" err="1" smtClean="0"/>
+              <a:t>CANoe</a:t>
+            </a:r>
+            <a:r>
+              <a:rPr lang="pl-PL" altLang="en-US" sz="2400" dirty="0" smtClean="0"/>
+              <a:t> utworzono dw</a:t>
+            </a:r>
+            <a:r>
+              <a:rPr lang="pl-PL" altLang="en-US" sz="2400" dirty="0" smtClean="0"/>
+              <a:t>a komunikujące się z sobą moduły, a następnie przeprowadzono symulację.</a:t>
             </a:r>
           </a:p>
           <a:p>
@@ -8689,9 +8712,48 @@
               <a:buNone/>
             </a:pPr>
             <a:r>
-              <a:rPr lang="pl-PL" altLang="en-US" sz="2400"/>
-              <a:t>Zebrana wiedza i doświadczenie będzie przydatna przy identyfikacji innych pojazdów w przyszłości, również w przypadku, gdy opór aerodynamiczny nie będzie mógł być pominięty oraz gdy pojazdy nie będą się poruszać po płaskiej powierzchni.</a:t>
-            </a:r>
+              <a:rPr lang="pl-PL" altLang="en-US" sz="2400" dirty="0" smtClean="0"/>
+              <a:t>Mieliśmy okazję zaznajomić się z samym środowiskiem </a:t>
+            </a:r>
+            <a:r>
+              <a:rPr lang="pl-PL" altLang="en-US" sz="2400" dirty="0" err="1" smtClean="0"/>
+              <a:t>CANoe</a:t>
+            </a:r>
+            <a:r>
+              <a:rPr lang="pl-PL" altLang="en-US" sz="2400" dirty="0"/>
+              <a:t> </a:t>
+            </a:r>
+            <a:r>
+              <a:rPr lang="pl-PL" altLang="en-US" sz="2400" dirty="0" smtClean="0"/>
+              <a:t>i poznać podstawy operowania w nim, takie jak tworzenie i wyświetlanie zmiennych, podłączanie bibliotek, komunikacja między modułami.</a:t>
+            </a:r>
+            <a:endParaRPr lang="pl-PL" altLang="en-US" sz="2400" dirty="0"/>
+          </a:p>
+          <a:p>
+            <a:pPr marL="0" indent="0" algn="just" eaLnBrk="1" hangingPunct="1">
+              <a:buClr>
+                <a:srgbClr val="0039A6"/>
+              </a:buClr>
+              <a:buFont typeface="Arial" panose="020B0604020202020204" pitchFamily="34" charset="0"/>
+              <a:buNone/>
+            </a:pPr>
+            <a:r>
+              <a:rPr lang="pl-PL" altLang="en-US" sz="2400" dirty="0"/>
+              <a:t>Zebrana wiedza i doświadczenie będzie przydatna przy </a:t>
+            </a:r>
+            <a:r>
+              <a:rPr lang="pl-PL" altLang="en-US" sz="2400" dirty="0" smtClean="0"/>
+              <a:t>tworzeniu bardziej skomplikowanych systemów i symulacji związanych z automatyką pojazdową w środowisku </a:t>
+            </a:r>
+            <a:r>
+              <a:rPr lang="pl-PL" altLang="en-US" sz="2400" dirty="0" err="1" smtClean="0"/>
+              <a:t>CANoe</a:t>
+            </a:r>
+            <a:r>
+              <a:rPr lang="pl-PL" altLang="en-US" sz="2400" dirty="0" smtClean="0"/>
+              <a:t>.</a:t>
+            </a:r>
+            <a:endParaRPr lang="pl-PL" altLang="en-US" sz="2400" dirty="0"/>
           </a:p>
         </p:txBody>
       </p:sp>
@@ -8700,7 +8762,7 @@
           <p:cNvPr id="12292" name="Symbol zastępczy numeru slajdu 3">
             <a:extLst>
               <a:ext uri="{FF2B5EF4-FFF2-40B4-BE49-F238E27FC236}">
-                <a16:creationId xmlns:a16="http://schemas.microsoft.com/office/drawing/2014/main" id="{B00D1200-BD3C-42A6-9209-1E15613F3399}"/>
+                <a16:creationId xmlns:a16="http://schemas.microsoft.com/office/drawing/2014/main" xmlns="" id="{B00D1200-BD3C-42A6-9209-1E15613F3399}"/>
               </a:ext>
             </a:extLst>
           </p:cNvPr>
@@ -8902,7 +8964,7 @@
           <p:cNvPr id="6" name="Symbol zastępczy daty 5">
             <a:extLst>
               <a:ext uri="{FF2B5EF4-FFF2-40B4-BE49-F238E27FC236}">
-                <a16:creationId xmlns:a16="http://schemas.microsoft.com/office/drawing/2014/main" id="{A514A7E1-B7D3-4314-B3AC-B1942CC73641}"/>
+                <a16:creationId xmlns:a16="http://schemas.microsoft.com/office/drawing/2014/main" xmlns="" id="{A514A7E1-B7D3-4314-B3AC-B1942CC73641}"/>
               </a:ext>
             </a:extLst>
           </p:cNvPr>
@@ -8934,7 +8996,7 @@
           <p:cNvPr id="7" name="Symbol zastępczy stopki 6">
             <a:extLst>
               <a:ext uri="{FF2B5EF4-FFF2-40B4-BE49-F238E27FC236}">
-                <a16:creationId xmlns:a16="http://schemas.microsoft.com/office/drawing/2014/main" id="{9D884240-C741-4827-8114-E7F17C937FF7}"/>
+                <a16:creationId xmlns:a16="http://schemas.microsoft.com/office/drawing/2014/main" xmlns="" id="{9D884240-C741-4827-8114-E7F17C937FF7}"/>
               </a:ext>
             </a:extLst>
           </p:cNvPr>

--- a/Lab4_architektura/AP_L04_20190320_0800_G01.pptx
+++ b/Lab4_architektura/AP_L04_20190320_0800_G01.pptx
@@ -146,7 +146,7 @@
   </p:defaultTextStyle>
   <p:extLst>
     <p:ext uri="{EFAFB233-063F-42B5-8137-9DF3F51BA10A}">
-      <p15:sldGuideLst xmlns:p15="http://schemas.microsoft.com/office/powerpoint/2012/main" xmlns="">
+      <p15:sldGuideLst xmlns:p15="http://schemas.microsoft.com/office/powerpoint/2012/main">
         <p15:guide id="1" orient="horz" pos="2160">
           <p15:clr>
             <a:srgbClr val="A4A3A4"/>
@@ -199,7 +199,7 @@
           <p:cNvPr id="2" name="Symbol zastępczy nagłówka 1">
             <a:extLst>
               <a:ext uri="{FF2B5EF4-FFF2-40B4-BE49-F238E27FC236}">
-                <a16:creationId xmlns:a16="http://schemas.microsoft.com/office/drawing/2014/main" xmlns="" id="{7C5BF4ED-BCB0-48A3-8924-309E33DEBB1F}"/>
+                <a16:creationId xmlns:a16="http://schemas.microsoft.com/office/drawing/2014/main" id="{7C5BF4ED-BCB0-48A3-8924-309E33DEBB1F}"/>
               </a:ext>
             </a:extLst>
           </p:cNvPr>
@@ -247,7 +247,7 @@
           <p:cNvPr id="3" name="Symbol zastępczy daty 2">
             <a:extLst>
               <a:ext uri="{FF2B5EF4-FFF2-40B4-BE49-F238E27FC236}">
-                <a16:creationId xmlns:a16="http://schemas.microsoft.com/office/drawing/2014/main" xmlns="" id="{BBC8DA4B-E5D3-46E4-B53C-1BD3D350B788}"/>
+                <a16:creationId xmlns:a16="http://schemas.microsoft.com/office/drawing/2014/main" id="{BBC8DA4B-E5D3-46E4-B53C-1BD3D350B788}"/>
               </a:ext>
             </a:extLst>
           </p:cNvPr>
@@ -291,7 +291,7 @@
               <a:pPr>
                 <a:defRPr/>
               </a:pPr>
-              <a:t>3/23/2019</a:t>
+              <a:t>3/25/2019</a:t>
             </a:fld>
             <a:endParaRPr lang="pl-PL"/>
           </a:p>
@@ -302,7 +302,7 @@
           <p:cNvPr id="4" name="Symbol zastępczy stopki 3">
             <a:extLst>
               <a:ext uri="{FF2B5EF4-FFF2-40B4-BE49-F238E27FC236}">
-                <a16:creationId xmlns:a16="http://schemas.microsoft.com/office/drawing/2014/main" xmlns="" id="{0CA902A4-96E3-4090-8871-57328D52566C}"/>
+                <a16:creationId xmlns:a16="http://schemas.microsoft.com/office/drawing/2014/main" id="{0CA902A4-96E3-4090-8871-57328D52566C}"/>
               </a:ext>
             </a:extLst>
           </p:cNvPr>
@@ -353,7 +353,7 @@
           <p:cNvPr id="5" name="Symbol zastępczy numeru slajdu 4">
             <a:extLst>
               <a:ext uri="{FF2B5EF4-FFF2-40B4-BE49-F238E27FC236}">
-                <a16:creationId xmlns:a16="http://schemas.microsoft.com/office/drawing/2014/main" xmlns="" id="{01330126-E675-4405-872A-422907E16422}"/>
+                <a16:creationId xmlns:a16="http://schemas.microsoft.com/office/drawing/2014/main" id="{01330126-E675-4405-872A-422907E16422}"/>
               </a:ext>
             </a:extLst>
           </p:cNvPr>
@@ -441,7 +441,7 @@
           <p:cNvPr id="2" name="Symbol zastępczy nagłówka 1">
             <a:extLst>
               <a:ext uri="{FF2B5EF4-FFF2-40B4-BE49-F238E27FC236}">
-                <a16:creationId xmlns:a16="http://schemas.microsoft.com/office/drawing/2014/main" xmlns="" id="{3588ECC7-7350-4D88-B588-EEF04071D45E}"/>
+                <a16:creationId xmlns:a16="http://schemas.microsoft.com/office/drawing/2014/main" id="{3588ECC7-7350-4D88-B588-EEF04071D45E}"/>
               </a:ext>
             </a:extLst>
           </p:cNvPr>
@@ -489,7 +489,7 @@
           <p:cNvPr id="3" name="Symbol zastępczy daty 2">
             <a:extLst>
               <a:ext uri="{FF2B5EF4-FFF2-40B4-BE49-F238E27FC236}">
-                <a16:creationId xmlns:a16="http://schemas.microsoft.com/office/drawing/2014/main" xmlns="" id="{B918CBFF-EAD8-404F-B02C-A7859DB92669}"/>
+                <a16:creationId xmlns:a16="http://schemas.microsoft.com/office/drawing/2014/main" id="{B918CBFF-EAD8-404F-B02C-A7859DB92669}"/>
               </a:ext>
             </a:extLst>
           </p:cNvPr>
@@ -533,7 +533,7 @@
               <a:pPr>
                 <a:defRPr/>
               </a:pPr>
-              <a:t>3/23/2019</a:t>
+              <a:t>3/25/2019</a:t>
             </a:fld>
             <a:endParaRPr lang="pl-PL"/>
           </a:p>
@@ -544,7 +544,7 @@
           <p:cNvPr id="4" name="Symbol zastępczy obrazu slajdu 3">
             <a:extLst>
               <a:ext uri="{FF2B5EF4-FFF2-40B4-BE49-F238E27FC236}">
-                <a16:creationId xmlns:a16="http://schemas.microsoft.com/office/drawing/2014/main" xmlns="" id="{A710DA0F-396F-4DE1-BC41-AE100DB86B35}"/>
+                <a16:creationId xmlns:a16="http://schemas.microsoft.com/office/drawing/2014/main" id="{A710DA0F-396F-4DE1-BC41-AE100DB86B35}"/>
               </a:ext>
             </a:extLst>
           </p:cNvPr>
@@ -584,7 +584,7 @@
           <p:cNvPr id="5" name="Symbol zastępczy notatek 4">
             <a:extLst>
               <a:ext uri="{FF2B5EF4-FFF2-40B4-BE49-F238E27FC236}">
-                <a16:creationId xmlns:a16="http://schemas.microsoft.com/office/drawing/2014/main" xmlns="" id="{8D25A859-3A66-4122-8507-D16A64A78B86}"/>
+                <a16:creationId xmlns:a16="http://schemas.microsoft.com/office/drawing/2014/main" id="{8D25A859-3A66-4122-8507-D16A64A78B86}"/>
               </a:ext>
             </a:extLst>
           </p:cNvPr>
@@ -649,7 +649,7 @@
           <p:cNvPr id="6" name="Symbol zastępczy stopki 5">
             <a:extLst>
               <a:ext uri="{FF2B5EF4-FFF2-40B4-BE49-F238E27FC236}">
-                <a16:creationId xmlns:a16="http://schemas.microsoft.com/office/drawing/2014/main" xmlns="" id="{870478CA-67FD-494A-985A-C7DCE106BD13}"/>
+                <a16:creationId xmlns:a16="http://schemas.microsoft.com/office/drawing/2014/main" id="{870478CA-67FD-494A-985A-C7DCE106BD13}"/>
               </a:ext>
             </a:extLst>
           </p:cNvPr>
@@ -700,7 +700,7 @@
           <p:cNvPr id="7" name="Symbol zastępczy numeru slajdu 6">
             <a:extLst>
               <a:ext uri="{FF2B5EF4-FFF2-40B4-BE49-F238E27FC236}">
-                <a16:creationId xmlns:a16="http://schemas.microsoft.com/office/drawing/2014/main" xmlns="" id="{DED305A8-5DE4-4236-8DF6-21B66550B569}"/>
+                <a16:creationId xmlns:a16="http://schemas.microsoft.com/office/drawing/2014/main" id="{DED305A8-5DE4-4236-8DF6-21B66550B569}"/>
               </a:ext>
             </a:extLst>
           </p:cNvPr>
@@ -902,7 +902,7 @@
           <p:cNvPr id="5122" name="Symbol zastępczy obrazu slajdu 1">
             <a:extLst>
               <a:ext uri="{FF2B5EF4-FFF2-40B4-BE49-F238E27FC236}">
-                <a16:creationId xmlns:a16="http://schemas.microsoft.com/office/drawing/2014/main" xmlns="" id="{FE0C0804-9EDC-4125-8681-AC6464DEDCF7}"/>
+                <a16:creationId xmlns:a16="http://schemas.microsoft.com/office/drawing/2014/main" id="{FE0C0804-9EDC-4125-8681-AC6464DEDCF7}"/>
               </a:ext>
             </a:extLst>
           </p:cNvPr>
@@ -939,7 +939,7 @@
           <p:cNvPr id="5123" name="Symbol zastępczy notatek 2">
             <a:extLst>
               <a:ext uri="{FF2B5EF4-FFF2-40B4-BE49-F238E27FC236}">
-                <a16:creationId xmlns:a16="http://schemas.microsoft.com/office/drawing/2014/main" xmlns="" id="{3F8CBB60-ABF2-4205-8999-B59E3FA3A85B}"/>
+                <a16:creationId xmlns:a16="http://schemas.microsoft.com/office/drawing/2014/main" id="{3F8CBB60-ABF2-4205-8999-B59E3FA3A85B}"/>
               </a:ext>
             </a:extLst>
           </p:cNvPr>
@@ -994,7 +994,7 @@
           <p:cNvPr id="5124" name="Footer Placeholder 3">
             <a:extLst>
               <a:ext uri="{FF2B5EF4-FFF2-40B4-BE49-F238E27FC236}">
-                <a16:creationId xmlns:a16="http://schemas.microsoft.com/office/drawing/2014/main" xmlns="" id="{D5EF9514-BB9C-401E-B0BB-5646A06FE333}"/>
+                <a16:creationId xmlns:a16="http://schemas.microsoft.com/office/drawing/2014/main" id="{D5EF9514-BB9C-401E-B0BB-5646A06FE333}"/>
               </a:ext>
             </a:extLst>
           </p:cNvPr>
@@ -1177,7 +1177,7 @@
           <p:cNvPr id="7170" name="Symbol zastępczy obrazu slajdu 1">
             <a:extLst>
               <a:ext uri="{FF2B5EF4-FFF2-40B4-BE49-F238E27FC236}">
-                <a16:creationId xmlns:a16="http://schemas.microsoft.com/office/drawing/2014/main" xmlns="" id="{44089F52-FCC3-4F92-8075-69E6A0B7A999}"/>
+                <a16:creationId xmlns:a16="http://schemas.microsoft.com/office/drawing/2014/main" id="{44089F52-FCC3-4F92-8075-69E6A0B7A999}"/>
               </a:ext>
             </a:extLst>
           </p:cNvPr>
@@ -1214,7 +1214,7 @@
           <p:cNvPr id="7171" name="Symbol zastępczy notatek 2">
             <a:extLst>
               <a:ext uri="{FF2B5EF4-FFF2-40B4-BE49-F238E27FC236}">
-                <a16:creationId xmlns:a16="http://schemas.microsoft.com/office/drawing/2014/main" xmlns="" id="{8D5F7E77-5CFF-4068-B149-CBDEE078C652}"/>
+                <a16:creationId xmlns:a16="http://schemas.microsoft.com/office/drawing/2014/main" id="{8D5F7E77-5CFF-4068-B149-CBDEE078C652}"/>
               </a:ext>
             </a:extLst>
           </p:cNvPr>
@@ -1269,7 +1269,7 @@
           <p:cNvPr id="7172" name="Footer Placeholder 3">
             <a:extLst>
               <a:ext uri="{FF2B5EF4-FFF2-40B4-BE49-F238E27FC236}">
-                <a16:creationId xmlns:a16="http://schemas.microsoft.com/office/drawing/2014/main" xmlns="" id="{AA8F79A3-A557-4B9C-A2E2-91B7684DAD2E}"/>
+                <a16:creationId xmlns:a16="http://schemas.microsoft.com/office/drawing/2014/main" id="{AA8F79A3-A557-4B9C-A2E2-91B7684DAD2E}"/>
               </a:ext>
             </a:extLst>
           </p:cNvPr>
@@ -1452,7 +1452,7 @@
           <p:cNvPr id="9218" name="Symbol zastępczy obrazu slajdu 1">
             <a:extLst>
               <a:ext uri="{FF2B5EF4-FFF2-40B4-BE49-F238E27FC236}">
-                <a16:creationId xmlns:a16="http://schemas.microsoft.com/office/drawing/2014/main" xmlns="" id="{2E763E06-6975-4291-9396-E007D348F002}"/>
+                <a16:creationId xmlns:a16="http://schemas.microsoft.com/office/drawing/2014/main" id="{2E763E06-6975-4291-9396-E007D348F002}"/>
               </a:ext>
             </a:extLst>
           </p:cNvPr>
@@ -1489,7 +1489,7 @@
           <p:cNvPr id="9219" name="Symbol zastępczy notatek 2">
             <a:extLst>
               <a:ext uri="{FF2B5EF4-FFF2-40B4-BE49-F238E27FC236}">
-                <a16:creationId xmlns:a16="http://schemas.microsoft.com/office/drawing/2014/main" xmlns="" id="{1667920A-8AFB-4861-A38A-D5894CB1BFB4}"/>
+                <a16:creationId xmlns:a16="http://schemas.microsoft.com/office/drawing/2014/main" id="{1667920A-8AFB-4861-A38A-D5894CB1BFB4}"/>
               </a:ext>
             </a:extLst>
           </p:cNvPr>
@@ -1544,7 +1544,7 @@
           <p:cNvPr id="9220" name="Footer Placeholder 3">
             <a:extLst>
               <a:ext uri="{FF2B5EF4-FFF2-40B4-BE49-F238E27FC236}">
-                <a16:creationId xmlns:a16="http://schemas.microsoft.com/office/drawing/2014/main" xmlns="" id="{7050523F-C371-45FF-81B6-37C32CA0BCF5}"/>
+                <a16:creationId xmlns:a16="http://schemas.microsoft.com/office/drawing/2014/main" id="{7050523F-C371-45FF-81B6-37C32CA0BCF5}"/>
               </a:ext>
             </a:extLst>
           </p:cNvPr>
@@ -1727,7 +1727,7 @@
           <p:cNvPr id="11266" name="Symbol zastępczy obrazu slajdu 1">
             <a:extLst>
               <a:ext uri="{FF2B5EF4-FFF2-40B4-BE49-F238E27FC236}">
-                <a16:creationId xmlns:a16="http://schemas.microsoft.com/office/drawing/2014/main" xmlns="" id="{1D685761-A83C-4245-8B93-3D0E78DDDF74}"/>
+                <a16:creationId xmlns:a16="http://schemas.microsoft.com/office/drawing/2014/main" id="{1D685761-A83C-4245-8B93-3D0E78DDDF74}"/>
               </a:ext>
             </a:extLst>
           </p:cNvPr>
@@ -1764,7 +1764,7 @@
           <p:cNvPr id="11267" name="Symbol zastępczy notatek 2">
             <a:extLst>
               <a:ext uri="{FF2B5EF4-FFF2-40B4-BE49-F238E27FC236}">
-                <a16:creationId xmlns:a16="http://schemas.microsoft.com/office/drawing/2014/main" xmlns="" id="{D4AFCA37-FEA7-48B1-BB75-40242D77E3B6}"/>
+                <a16:creationId xmlns:a16="http://schemas.microsoft.com/office/drawing/2014/main" id="{D4AFCA37-FEA7-48B1-BB75-40242D77E3B6}"/>
               </a:ext>
             </a:extLst>
           </p:cNvPr>
@@ -1819,7 +1819,7 @@
           <p:cNvPr id="11268" name="Footer Placeholder 3">
             <a:extLst>
               <a:ext uri="{FF2B5EF4-FFF2-40B4-BE49-F238E27FC236}">
-                <a16:creationId xmlns:a16="http://schemas.microsoft.com/office/drawing/2014/main" xmlns="" id="{2B29F252-6F80-4D0A-8993-6AC27CE13095}"/>
+                <a16:creationId xmlns:a16="http://schemas.microsoft.com/office/drawing/2014/main" id="{2B29F252-6F80-4D0A-8993-6AC27CE13095}"/>
               </a:ext>
             </a:extLst>
           </p:cNvPr>
@@ -2002,7 +2002,7 @@
           <p:cNvPr id="13314" name="Symbol zastępczy obrazu slajdu 1">
             <a:extLst>
               <a:ext uri="{FF2B5EF4-FFF2-40B4-BE49-F238E27FC236}">
-                <a16:creationId xmlns:a16="http://schemas.microsoft.com/office/drawing/2014/main" xmlns="" id="{BFFB5DEE-EB42-460D-A70D-597E5A9DEC8C}"/>
+                <a16:creationId xmlns:a16="http://schemas.microsoft.com/office/drawing/2014/main" id="{BFFB5DEE-EB42-460D-A70D-597E5A9DEC8C}"/>
               </a:ext>
             </a:extLst>
           </p:cNvPr>
@@ -2039,7 +2039,7 @@
           <p:cNvPr id="13315" name="Symbol zastępczy notatek 2">
             <a:extLst>
               <a:ext uri="{FF2B5EF4-FFF2-40B4-BE49-F238E27FC236}">
-                <a16:creationId xmlns:a16="http://schemas.microsoft.com/office/drawing/2014/main" xmlns="" id="{10FCBC51-98AA-470A-AD7E-65C00CA78A3A}"/>
+                <a16:creationId xmlns:a16="http://schemas.microsoft.com/office/drawing/2014/main" id="{10FCBC51-98AA-470A-AD7E-65C00CA78A3A}"/>
               </a:ext>
             </a:extLst>
           </p:cNvPr>
@@ -2094,7 +2094,7 @@
           <p:cNvPr id="13316" name="Footer Placeholder 3">
             <a:extLst>
               <a:ext uri="{FF2B5EF4-FFF2-40B4-BE49-F238E27FC236}">
-                <a16:creationId xmlns:a16="http://schemas.microsoft.com/office/drawing/2014/main" xmlns="" id="{85BD3775-6D7B-48E0-831E-C0859E49ACC4}"/>
+                <a16:creationId xmlns:a16="http://schemas.microsoft.com/office/drawing/2014/main" id="{85BD3775-6D7B-48E0-831E-C0859E49ACC4}"/>
               </a:ext>
             </a:extLst>
           </p:cNvPr>
@@ -2422,7 +2422,7 @@
           <p:cNvPr id="4" name="Symbol zastępczy daty 3">
             <a:extLst>
               <a:ext uri="{FF2B5EF4-FFF2-40B4-BE49-F238E27FC236}">
-                <a16:creationId xmlns:a16="http://schemas.microsoft.com/office/drawing/2014/main" xmlns="" id="{E0DC5341-7ED1-4138-AB98-A24E7CF204DC}"/>
+                <a16:creationId xmlns:a16="http://schemas.microsoft.com/office/drawing/2014/main" id="{E0DC5341-7ED1-4138-AB98-A24E7CF204DC}"/>
               </a:ext>
             </a:extLst>
           </p:cNvPr>
@@ -2458,7 +2458,7 @@
           <p:cNvPr id="5" name="Symbol zastępczy stopki 4">
             <a:extLst>
               <a:ext uri="{FF2B5EF4-FFF2-40B4-BE49-F238E27FC236}">
-                <a16:creationId xmlns:a16="http://schemas.microsoft.com/office/drawing/2014/main" xmlns="" id="{27744640-7C69-4322-BD8F-A67410DB9D7D}"/>
+                <a16:creationId xmlns:a16="http://schemas.microsoft.com/office/drawing/2014/main" id="{27744640-7C69-4322-BD8F-A67410DB9D7D}"/>
               </a:ext>
             </a:extLst>
           </p:cNvPr>
@@ -2494,7 +2494,7 @@
           <p:cNvPr id="6" name="Symbol zastępczy numeru slajdu 5">
             <a:extLst>
               <a:ext uri="{FF2B5EF4-FFF2-40B4-BE49-F238E27FC236}">
-                <a16:creationId xmlns:a16="http://schemas.microsoft.com/office/drawing/2014/main" xmlns="" id="{3AF78FD0-2C7D-4DCF-BB88-B13CE85F68C0}"/>
+                <a16:creationId xmlns:a16="http://schemas.microsoft.com/office/drawing/2014/main" id="{3AF78FD0-2C7D-4DCF-BB88-B13CE85F68C0}"/>
               </a:ext>
             </a:extLst>
           </p:cNvPr>
@@ -2636,7 +2636,7 @@
           <p:cNvPr id="4" name="Symbol zastępczy daty 3">
             <a:extLst>
               <a:ext uri="{FF2B5EF4-FFF2-40B4-BE49-F238E27FC236}">
-                <a16:creationId xmlns:a16="http://schemas.microsoft.com/office/drawing/2014/main" xmlns="" id="{30A96713-F7A5-417C-BBE3-F5A10A5E58D7}"/>
+                <a16:creationId xmlns:a16="http://schemas.microsoft.com/office/drawing/2014/main" id="{30A96713-F7A5-417C-BBE3-F5A10A5E58D7}"/>
               </a:ext>
             </a:extLst>
           </p:cNvPr>
@@ -2672,7 +2672,7 @@
           <p:cNvPr id="5" name="Symbol zastępczy stopki 4">
             <a:extLst>
               <a:ext uri="{FF2B5EF4-FFF2-40B4-BE49-F238E27FC236}">
-                <a16:creationId xmlns:a16="http://schemas.microsoft.com/office/drawing/2014/main" xmlns="" id="{8130E937-9D54-41C9-8B3D-5B75B35BB1F0}"/>
+                <a16:creationId xmlns:a16="http://schemas.microsoft.com/office/drawing/2014/main" id="{8130E937-9D54-41C9-8B3D-5B75B35BB1F0}"/>
               </a:ext>
             </a:extLst>
           </p:cNvPr>
@@ -2708,7 +2708,7 @@
           <p:cNvPr id="6" name="Symbol zastępczy numeru slajdu 5">
             <a:extLst>
               <a:ext uri="{FF2B5EF4-FFF2-40B4-BE49-F238E27FC236}">
-                <a16:creationId xmlns:a16="http://schemas.microsoft.com/office/drawing/2014/main" xmlns="" id="{13EF4D1C-8895-4730-B77D-895EDA4CEF26}"/>
+                <a16:creationId xmlns:a16="http://schemas.microsoft.com/office/drawing/2014/main" id="{13EF4D1C-8895-4730-B77D-895EDA4CEF26}"/>
               </a:ext>
             </a:extLst>
           </p:cNvPr>
@@ -2860,7 +2860,7 @@
           <p:cNvPr id="4" name="Symbol zastępczy daty 3">
             <a:extLst>
               <a:ext uri="{FF2B5EF4-FFF2-40B4-BE49-F238E27FC236}">
-                <a16:creationId xmlns:a16="http://schemas.microsoft.com/office/drawing/2014/main" xmlns="" id="{37E427B2-020A-4822-A2E2-AB761810EBDE}"/>
+                <a16:creationId xmlns:a16="http://schemas.microsoft.com/office/drawing/2014/main" id="{37E427B2-020A-4822-A2E2-AB761810EBDE}"/>
               </a:ext>
             </a:extLst>
           </p:cNvPr>
@@ -2896,7 +2896,7 @@
           <p:cNvPr id="5" name="Symbol zastępczy stopki 4">
             <a:extLst>
               <a:ext uri="{FF2B5EF4-FFF2-40B4-BE49-F238E27FC236}">
-                <a16:creationId xmlns:a16="http://schemas.microsoft.com/office/drawing/2014/main" xmlns="" id="{BB6B2E77-AC49-4E5E-9F3D-8B8B1E079E32}"/>
+                <a16:creationId xmlns:a16="http://schemas.microsoft.com/office/drawing/2014/main" id="{BB6B2E77-AC49-4E5E-9F3D-8B8B1E079E32}"/>
               </a:ext>
             </a:extLst>
           </p:cNvPr>
@@ -2932,7 +2932,7 @@
           <p:cNvPr id="6" name="Symbol zastępczy numeru slajdu 5">
             <a:extLst>
               <a:ext uri="{FF2B5EF4-FFF2-40B4-BE49-F238E27FC236}">
-                <a16:creationId xmlns:a16="http://schemas.microsoft.com/office/drawing/2014/main" xmlns="" id="{3CADA704-F91C-4EA6-A4C7-2A036940C071}"/>
+                <a16:creationId xmlns:a16="http://schemas.microsoft.com/office/drawing/2014/main" id="{3CADA704-F91C-4EA6-A4C7-2A036940C071}"/>
               </a:ext>
             </a:extLst>
           </p:cNvPr>
@@ -3074,7 +3074,7 @@
           <p:cNvPr id="4" name="Symbol zastępczy daty 3">
             <a:extLst>
               <a:ext uri="{FF2B5EF4-FFF2-40B4-BE49-F238E27FC236}">
-                <a16:creationId xmlns:a16="http://schemas.microsoft.com/office/drawing/2014/main" xmlns="" id="{EC0A8D81-67EE-4FD3-9A86-20CF06D137BD}"/>
+                <a16:creationId xmlns:a16="http://schemas.microsoft.com/office/drawing/2014/main" id="{EC0A8D81-67EE-4FD3-9A86-20CF06D137BD}"/>
               </a:ext>
             </a:extLst>
           </p:cNvPr>
@@ -3110,7 +3110,7 @@
           <p:cNvPr id="5" name="Symbol zastępczy stopki 4">
             <a:extLst>
               <a:ext uri="{FF2B5EF4-FFF2-40B4-BE49-F238E27FC236}">
-                <a16:creationId xmlns:a16="http://schemas.microsoft.com/office/drawing/2014/main" xmlns="" id="{28CC4DE4-CFD7-4057-88F5-222582512E78}"/>
+                <a16:creationId xmlns:a16="http://schemas.microsoft.com/office/drawing/2014/main" id="{28CC4DE4-CFD7-4057-88F5-222582512E78}"/>
               </a:ext>
             </a:extLst>
           </p:cNvPr>
@@ -3146,7 +3146,7 @@
           <p:cNvPr id="6" name="Symbol zastępczy numeru slajdu 5">
             <a:extLst>
               <a:ext uri="{FF2B5EF4-FFF2-40B4-BE49-F238E27FC236}">
-                <a16:creationId xmlns:a16="http://schemas.microsoft.com/office/drawing/2014/main" xmlns="" id="{EB3B4FDB-C5EC-4FC6-A684-3FDE2EA65648}"/>
+                <a16:creationId xmlns:a16="http://schemas.microsoft.com/office/drawing/2014/main" id="{EB3B4FDB-C5EC-4FC6-A684-3FDE2EA65648}"/>
               </a:ext>
             </a:extLst>
           </p:cNvPr>
@@ -3365,7 +3365,7 @@
           <p:cNvPr id="4" name="Symbol zastępczy daty 3">
             <a:extLst>
               <a:ext uri="{FF2B5EF4-FFF2-40B4-BE49-F238E27FC236}">
-                <a16:creationId xmlns:a16="http://schemas.microsoft.com/office/drawing/2014/main" xmlns="" id="{7F6FA52C-E9EF-4F15-A4B8-A14042629C74}"/>
+                <a16:creationId xmlns:a16="http://schemas.microsoft.com/office/drawing/2014/main" id="{7F6FA52C-E9EF-4F15-A4B8-A14042629C74}"/>
               </a:ext>
             </a:extLst>
           </p:cNvPr>
@@ -3401,7 +3401,7 @@
           <p:cNvPr id="5" name="Symbol zastępczy stopki 4">
             <a:extLst>
               <a:ext uri="{FF2B5EF4-FFF2-40B4-BE49-F238E27FC236}">
-                <a16:creationId xmlns:a16="http://schemas.microsoft.com/office/drawing/2014/main" xmlns="" id="{217D119C-15A9-473F-AA7E-4EDDC6D1CECB}"/>
+                <a16:creationId xmlns:a16="http://schemas.microsoft.com/office/drawing/2014/main" id="{217D119C-15A9-473F-AA7E-4EDDC6D1CECB}"/>
               </a:ext>
             </a:extLst>
           </p:cNvPr>
@@ -3437,7 +3437,7 @@
           <p:cNvPr id="6" name="Symbol zastępczy numeru slajdu 5">
             <a:extLst>
               <a:ext uri="{FF2B5EF4-FFF2-40B4-BE49-F238E27FC236}">
-                <a16:creationId xmlns:a16="http://schemas.microsoft.com/office/drawing/2014/main" xmlns="" id="{EE60E423-501B-4CBA-AD5B-A4128992E7B2}"/>
+                <a16:creationId xmlns:a16="http://schemas.microsoft.com/office/drawing/2014/main" id="{EE60E423-501B-4CBA-AD5B-A4128992E7B2}"/>
               </a:ext>
             </a:extLst>
           </p:cNvPr>
@@ -3696,7 +3696,7 @@
           <p:cNvPr id="5" name="Symbol zastępczy daty 3">
             <a:extLst>
               <a:ext uri="{FF2B5EF4-FFF2-40B4-BE49-F238E27FC236}">
-                <a16:creationId xmlns:a16="http://schemas.microsoft.com/office/drawing/2014/main" xmlns="" id="{267ED59B-53CC-4AA2-87E0-B0F82EEBD94F}"/>
+                <a16:creationId xmlns:a16="http://schemas.microsoft.com/office/drawing/2014/main" id="{267ED59B-53CC-4AA2-87E0-B0F82EEBD94F}"/>
               </a:ext>
             </a:extLst>
           </p:cNvPr>
@@ -3732,7 +3732,7 @@
           <p:cNvPr id="6" name="Symbol zastępczy stopki 4">
             <a:extLst>
               <a:ext uri="{FF2B5EF4-FFF2-40B4-BE49-F238E27FC236}">
-                <a16:creationId xmlns:a16="http://schemas.microsoft.com/office/drawing/2014/main" xmlns="" id="{6C5952BD-3A01-4966-99CF-CABCFA644007}"/>
+                <a16:creationId xmlns:a16="http://schemas.microsoft.com/office/drawing/2014/main" id="{6C5952BD-3A01-4966-99CF-CABCFA644007}"/>
               </a:ext>
             </a:extLst>
           </p:cNvPr>
@@ -3768,7 +3768,7 @@
           <p:cNvPr id="7" name="Symbol zastępczy numeru slajdu 5">
             <a:extLst>
               <a:ext uri="{FF2B5EF4-FFF2-40B4-BE49-F238E27FC236}">
-                <a16:creationId xmlns:a16="http://schemas.microsoft.com/office/drawing/2014/main" xmlns="" id="{59DCBAA7-D486-4E26-8F39-6B54F697AAEF}"/>
+                <a16:creationId xmlns:a16="http://schemas.microsoft.com/office/drawing/2014/main" id="{59DCBAA7-D486-4E26-8F39-6B54F697AAEF}"/>
               </a:ext>
             </a:extLst>
           </p:cNvPr>
@@ -4161,7 +4161,7 @@
           <p:cNvPr id="7" name="Symbol zastępczy daty 3">
             <a:extLst>
               <a:ext uri="{FF2B5EF4-FFF2-40B4-BE49-F238E27FC236}">
-                <a16:creationId xmlns:a16="http://schemas.microsoft.com/office/drawing/2014/main" xmlns="" id="{089B8381-8216-45CC-8D78-C70527B6107D}"/>
+                <a16:creationId xmlns:a16="http://schemas.microsoft.com/office/drawing/2014/main" id="{089B8381-8216-45CC-8D78-C70527B6107D}"/>
               </a:ext>
             </a:extLst>
           </p:cNvPr>
@@ -4197,7 +4197,7 @@
           <p:cNvPr id="8" name="Symbol zastępczy stopki 4">
             <a:extLst>
               <a:ext uri="{FF2B5EF4-FFF2-40B4-BE49-F238E27FC236}">
-                <a16:creationId xmlns:a16="http://schemas.microsoft.com/office/drawing/2014/main" xmlns="" id="{CF976F9B-BF58-48ED-BFC2-2C75AAFEE582}"/>
+                <a16:creationId xmlns:a16="http://schemas.microsoft.com/office/drawing/2014/main" id="{CF976F9B-BF58-48ED-BFC2-2C75AAFEE582}"/>
               </a:ext>
             </a:extLst>
           </p:cNvPr>
@@ -4233,7 +4233,7 @@
           <p:cNvPr id="9" name="Symbol zastępczy numeru slajdu 5">
             <a:extLst>
               <a:ext uri="{FF2B5EF4-FFF2-40B4-BE49-F238E27FC236}">
-                <a16:creationId xmlns:a16="http://schemas.microsoft.com/office/drawing/2014/main" xmlns="" id="{3C09754B-68D1-4D0F-A22E-9E75915110F9}"/>
+                <a16:creationId xmlns:a16="http://schemas.microsoft.com/office/drawing/2014/main" id="{3C09754B-68D1-4D0F-A22E-9E75915110F9}"/>
               </a:ext>
             </a:extLst>
           </p:cNvPr>
@@ -4324,7 +4324,7 @@
           <p:cNvPr id="3" name="Symbol zastępczy daty 3">
             <a:extLst>
               <a:ext uri="{FF2B5EF4-FFF2-40B4-BE49-F238E27FC236}">
-                <a16:creationId xmlns:a16="http://schemas.microsoft.com/office/drawing/2014/main" xmlns="" id="{E3B1253E-DC24-46D4-B0B1-DFCBC0B04E89}"/>
+                <a16:creationId xmlns:a16="http://schemas.microsoft.com/office/drawing/2014/main" id="{E3B1253E-DC24-46D4-B0B1-DFCBC0B04E89}"/>
               </a:ext>
             </a:extLst>
           </p:cNvPr>
@@ -4360,7 +4360,7 @@
           <p:cNvPr id="4" name="Symbol zastępczy stopki 4">
             <a:extLst>
               <a:ext uri="{FF2B5EF4-FFF2-40B4-BE49-F238E27FC236}">
-                <a16:creationId xmlns:a16="http://schemas.microsoft.com/office/drawing/2014/main" xmlns="" id="{6C69807C-25C7-4EC2-B77E-C51D17A9EF9B}"/>
+                <a16:creationId xmlns:a16="http://schemas.microsoft.com/office/drawing/2014/main" id="{6C69807C-25C7-4EC2-B77E-C51D17A9EF9B}"/>
               </a:ext>
             </a:extLst>
           </p:cNvPr>
@@ -4396,7 +4396,7 @@
           <p:cNvPr id="5" name="Symbol zastępczy numeru slajdu 5">
             <a:extLst>
               <a:ext uri="{FF2B5EF4-FFF2-40B4-BE49-F238E27FC236}">
-                <a16:creationId xmlns:a16="http://schemas.microsoft.com/office/drawing/2014/main" xmlns="" id="{05FF9C30-7938-4680-B58C-24F16A23426A}"/>
+                <a16:creationId xmlns:a16="http://schemas.microsoft.com/office/drawing/2014/main" id="{05FF9C30-7938-4680-B58C-24F16A23426A}"/>
               </a:ext>
             </a:extLst>
           </p:cNvPr>
@@ -4465,7 +4465,7 @@
           <p:cNvPr id="2" name="Symbol zastępczy daty 3">
             <a:extLst>
               <a:ext uri="{FF2B5EF4-FFF2-40B4-BE49-F238E27FC236}">
-                <a16:creationId xmlns:a16="http://schemas.microsoft.com/office/drawing/2014/main" xmlns="" id="{E39F76CC-3762-4DAB-91B7-25DA608986E7}"/>
+                <a16:creationId xmlns:a16="http://schemas.microsoft.com/office/drawing/2014/main" id="{E39F76CC-3762-4DAB-91B7-25DA608986E7}"/>
               </a:ext>
             </a:extLst>
           </p:cNvPr>
@@ -4501,7 +4501,7 @@
           <p:cNvPr id="3" name="Symbol zastępczy stopki 4">
             <a:extLst>
               <a:ext uri="{FF2B5EF4-FFF2-40B4-BE49-F238E27FC236}">
-                <a16:creationId xmlns:a16="http://schemas.microsoft.com/office/drawing/2014/main" xmlns="" id="{08B822BD-DB73-40BD-9A10-D90CACF5F560}"/>
+                <a16:creationId xmlns:a16="http://schemas.microsoft.com/office/drawing/2014/main" id="{08B822BD-DB73-40BD-9A10-D90CACF5F560}"/>
               </a:ext>
             </a:extLst>
           </p:cNvPr>
@@ -4537,7 +4537,7 @@
           <p:cNvPr id="4" name="Symbol zastępczy numeru slajdu 5">
             <a:extLst>
               <a:ext uri="{FF2B5EF4-FFF2-40B4-BE49-F238E27FC236}">
-                <a16:creationId xmlns:a16="http://schemas.microsoft.com/office/drawing/2014/main" xmlns="" id="{8C1A138D-B7B1-45F4-8E5F-CF67C96FAD6B}"/>
+                <a16:creationId xmlns:a16="http://schemas.microsoft.com/office/drawing/2014/main" id="{8C1A138D-B7B1-45F4-8E5F-CF67C96FAD6B}"/>
               </a:ext>
             </a:extLst>
           </p:cNvPr>
@@ -4786,7 +4786,7 @@
           <p:cNvPr id="5" name="Symbol zastępczy daty 3">
             <a:extLst>
               <a:ext uri="{FF2B5EF4-FFF2-40B4-BE49-F238E27FC236}">
-                <a16:creationId xmlns:a16="http://schemas.microsoft.com/office/drawing/2014/main" xmlns="" id="{221075F5-9717-4AD4-9F73-D98138DC5EC0}"/>
+                <a16:creationId xmlns:a16="http://schemas.microsoft.com/office/drawing/2014/main" id="{221075F5-9717-4AD4-9F73-D98138DC5EC0}"/>
               </a:ext>
             </a:extLst>
           </p:cNvPr>
@@ -4822,7 +4822,7 @@
           <p:cNvPr id="6" name="Symbol zastępczy stopki 4">
             <a:extLst>
               <a:ext uri="{FF2B5EF4-FFF2-40B4-BE49-F238E27FC236}">
-                <a16:creationId xmlns:a16="http://schemas.microsoft.com/office/drawing/2014/main" xmlns="" id="{528161BC-9F86-4B21-96FC-58EC33227881}"/>
+                <a16:creationId xmlns:a16="http://schemas.microsoft.com/office/drawing/2014/main" id="{528161BC-9F86-4B21-96FC-58EC33227881}"/>
               </a:ext>
             </a:extLst>
           </p:cNvPr>
@@ -4858,7 +4858,7 @@
           <p:cNvPr id="7" name="Symbol zastępczy numeru slajdu 5">
             <a:extLst>
               <a:ext uri="{FF2B5EF4-FFF2-40B4-BE49-F238E27FC236}">
-                <a16:creationId xmlns:a16="http://schemas.microsoft.com/office/drawing/2014/main" xmlns="" id="{B1BEAA1A-DABA-4EB2-A730-6813761823EF}"/>
+                <a16:creationId xmlns:a16="http://schemas.microsoft.com/office/drawing/2014/main" id="{B1BEAA1A-DABA-4EB2-A730-6813761823EF}"/>
               </a:ext>
             </a:extLst>
           </p:cNvPr>
@@ -5087,7 +5087,7 @@
           <p:cNvPr id="5" name="Symbol zastępczy daty 3">
             <a:extLst>
               <a:ext uri="{FF2B5EF4-FFF2-40B4-BE49-F238E27FC236}">
-                <a16:creationId xmlns:a16="http://schemas.microsoft.com/office/drawing/2014/main" xmlns="" id="{95A508E4-25E1-4B5E-83FF-4616D16EB542}"/>
+                <a16:creationId xmlns:a16="http://schemas.microsoft.com/office/drawing/2014/main" id="{95A508E4-25E1-4B5E-83FF-4616D16EB542}"/>
               </a:ext>
             </a:extLst>
           </p:cNvPr>
@@ -5123,7 +5123,7 @@
           <p:cNvPr id="6" name="Symbol zastępczy stopki 4">
             <a:extLst>
               <a:ext uri="{FF2B5EF4-FFF2-40B4-BE49-F238E27FC236}">
-                <a16:creationId xmlns:a16="http://schemas.microsoft.com/office/drawing/2014/main" xmlns="" id="{EB5B356B-03B1-450C-A2D0-02ACE6519F3B}"/>
+                <a16:creationId xmlns:a16="http://schemas.microsoft.com/office/drawing/2014/main" id="{EB5B356B-03B1-450C-A2D0-02ACE6519F3B}"/>
               </a:ext>
             </a:extLst>
           </p:cNvPr>
@@ -5159,7 +5159,7 @@
           <p:cNvPr id="7" name="Symbol zastępczy numeru slajdu 5">
             <a:extLst>
               <a:ext uri="{FF2B5EF4-FFF2-40B4-BE49-F238E27FC236}">
-                <a16:creationId xmlns:a16="http://schemas.microsoft.com/office/drawing/2014/main" xmlns="" id="{BC205F3A-3141-4245-A146-184827135164}"/>
+                <a16:creationId xmlns:a16="http://schemas.microsoft.com/office/drawing/2014/main" id="{BC205F3A-3141-4245-A146-184827135164}"/>
               </a:ext>
             </a:extLst>
           </p:cNvPr>
@@ -5236,7 +5236,7 @@
           <p:cNvPr id="1026" name="Symbol zastępczy tytułu 1">
             <a:extLst>
               <a:ext uri="{FF2B5EF4-FFF2-40B4-BE49-F238E27FC236}">
-                <a16:creationId xmlns:a16="http://schemas.microsoft.com/office/drawing/2014/main" xmlns="" id="{5F844AA4-E2DD-44CF-909F-98EB42A9BBE1}"/>
+                <a16:creationId xmlns:a16="http://schemas.microsoft.com/office/drawing/2014/main" id="{5F844AA4-E2DD-44CF-909F-98EB42A9BBE1}"/>
               </a:ext>
             </a:extLst>
           </p:cNvPr>
@@ -5300,7 +5300,7 @@
           <p:cNvPr id="1027" name="Symbol zastępczy tekstu 2">
             <a:extLst>
               <a:ext uri="{FF2B5EF4-FFF2-40B4-BE49-F238E27FC236}">
-                <a16:creationId xmlns:a16="http://schemas.microsoft.com/office/drawing/2014/main" xmlns="" id="{E83E7B25-6A89-4AAA-84E2-281CEB2EBA8B}"/>
+                <a16:creationId xmlns:a16="http://schemas.microsoft.com/office/drawing/2014/main" id="{E83E7B25-6A89-4AAA-84E2-281CEB2EBA8B}"/>
               </a:ext>
             </a:extLst>
           </p:cNvPr>
@@ -5392,7 +5392,7 @@
           <p:cNvPr id="4" name="Symbol zastępczy daty 3">
             <a:extLst>
               <a:ext uri="{FF2B5EF4-FFF2-40B4-BE49-F238E27FC236}">
-                <a16:creationId xmlns:a16="http://schemas.microsoft.com/office/drawing/2014/main" xmlns="" id="{A0BA7966-512E-4C35-A303-EC03F77BD6BF}"/>
+                <a16:creationId xmlns:a16="http://schemas.microsoft.com/office/drawing/2014/main" id="{A0BA7966-512E-4C35-A303-EC03F77BD6BF}"/>
               </a:ext>
             </a:extLst>
           </p:cNvPr>
@@ -5449,7 +5449,7 @@
           <p:cNvPr id="5" name="Symbol zastępczy stopki 4">
             <a:extLst>
               <a:ext uri="{FF2B5EF4-FFF2-40B4-BE49-F238E27FC236}">
-                <a16:creationId xmlns:a16="http://schemas.microsoft.com/office/drawing/2014/main" xmlns="" id="{8C1FE77D-BABE-49FE-9E17-24200490AA42}"/>
+                <a16:creationId xmlns:a16="http://schemas.microsoft.com/office/drawing/2014/main" id="{8C1FE77D-BABE-49FE-9E17-24200490AA42}"/>
               </a:ext>
             </a:extLst>
           </p:cNvPr>
@@ -5506,7 +5506,7 @@
           <p:cNvPr id="6" name="Symbol zastępczy numeru slajdu 5">
             <a:extLst>
               <a:ext uri="{FF2B5EF4-FFF2-40B4-BE49-F238E27FC236}">
-                <a16:creationId xmlns:a16="http://schemas.microsoft.com/office/drawing/2014/main" xmlns="" id="{0D3CA83B-9A09-48A9-A960-502DD2242CA1}"/>
+                <a16:creationId xmlns:a16="http://schemas.microsoft.com/office/drawing/2014/main" id="{0D3CA83B-9A09-48A9-A960-502DD2242CA1}"/>
               </a:ext>
             </a:extLst>
           </p:cNvPr>
@@ -5977,7 +5977,7 @@
           <p:cNvPr id="4098" name="Tytuł 1">
             <a:extLst>
               <a:ext uri="{FF2B5EF4-FFF2-40B4-BE49-F238E27FC236}">
-                <a16:creationId xmlns:a16="http://schemas.microsoft.com/office/drawing/2014/main" xmlns="" id="{B348D356-598C-4F0F-A191-75BA34253333}"/>
+                <a16:creationId xmlns:a16="http://schemas.microsoft.com/office/drawing/2014/main" id="{B348D356-598C-4F0F-A191-75BA34253333}"/>
               </a:ext>
             </a:extLst>
           </p:cNvPr>
@@ -6011,7 +6011,7 @@
           <p:cNvPr id="3" name="Content Placeholder 2">
             <a:extLst>
               <a:ext uri="{FF2B5EF4-FFF2-40B4-BE49-F238E27FC236}">
-                <a16:creationId xmlns:a16="http://schemas.microsoft.com/office/drawing/2014/main" xmlns="" id="{BCC39334-EA4F-4A11-B8C6-D12EA37D6301}"/>
+                <a16:creationId xmlns:a16="http://schemas.microsoft.com/office/drawing/2014/main" id="{BCC39334-EA4F-4A11-B8C6-D12EA37D6301}"/>
               </a:ext>
             </a:extLst>
           </p:cNvPr>
@@ -6041,14 +6041,14 @@
                 <a:gridCol w="2892669">
                   <a:extLst>
                     <a:ext uri="{9D8B030D-6E8A-4147-A177-3AD203B41FA5}">
-                      <a16:colId xmlns:a16="http://schemas.microsoft.com/office/drawing/2014/main" xmlns="" val="20000"/>
+                      <a16:colId xmlns:a16="http://schemas.microsoft.com/office/drawing/2014/main" val="20000"/>
                     </a:ext>
                   </a:extLst>
                 </a:gridCol>
                 <a:gridCol w="5336931">
                   <a:extLst>
                     <a:ext uri="{9D8B030D-6E8A-4147-A177-3AD203B41FA5}">
-                      <a16:colId xmlns:a16="http://schemas.microsoft.com/office/drawing/2014/main" xmlns="" val="20001"/>
+                      <a16:colId xmlns:a16="http://schemas.microsoft.com/office/drawing/2014/main" val="20001"/>
                     </a:ext>
                   </a:extLst>
                 </a:gridCol>
@@ -6085,7 +6085,7 @@
                 </a:tc>
                 <a:extLst>
                   <a:ext uri="{0D108BD9-81ED-4DB2-BD59-A6C34878D82A}">
-                    <a16:rowId xmlns:a16="http://schemas.microsoft.com/office/drawing/2014/main" xmlns="" val="10000"/>
+                    <a16:rowId xmlns:a16="http://schemas.microsoft.com/office/drawing/2014/main" val="10000"/>
                   </a:ext>
                 </a:extLst>
               </a:tr>
@@ -6111,11 +6111,11 @@
                     <a:lstStyle/>
                     <a:p>
                       <a:r>
-                        <a:rPr lang="pl-PL" sz="1800" dirty="0" smtClean="0"/>
+                        <a:rPr lang="pl-PL" sz="1800" dirty="0"/>
                         <a:t>Architektura</a:t>
                       </a:r>
                       <a:r>
-                        <a:rPr lang="pl-PL" sz="1800" baseline="0" dirty="0" smtClean="0"/>
+                        <a:rPr lang="pl-PL" sz="1800" baseline="0" dirty="0"/>
                         <a:t> systemów sterowania w samochodach</a:t>
                       </a:r>
                       <a:endParaRPr lang="en-US" sz="1800" dirty="0"/>
@@ -6125,7 +6125,7 @@
                 </a:tc>
                 <a:extLst>
                   <a:ext uri="{0D108BD9-81ED-4DB2-BD59-A6C34878D82A}">
-                    <a16:rowId xmlns:a16="http://schemas.microsoft.com/office/drawing/2014/main" xmlns="" val="10001"/>
+                    <a16:rowId xmlns:a16="http://schemas.microsoft.com/office/drawing/2014/main" val="10001"/>
                   </a:ext>
                 </a:extLst>
               </a:tr>
@@ -6165,7 +6165,7 @@
                 </a:tc>
                 <a:extLst>
                   <a:ext uri="{0D108BD9-81ED-4DB2-BD59-A6C34878D82A}">
-                    <a16:rowId xmlns:a16="http://schemas.microsoft.com/office/drawing/2014/main" xmlns="" val="10002"/>
+                    <a16:rowId xmlns:a16="http://schemas.microsoft.com/office/drawing/2014/main" val="10002"/>
                   </a:ext>
                 </a:extLst>
               </a:tr>
@@ -6209,7 +6209,7 @@
                 </a:tc>
                 <a:extLst>
                   <a:ext uri="{0D108BD9-81ED-4DB2-BD59-A6C34878D82A}">
-                    <a16:rowId xmlns:a16="http://schemas.microsoft.com/office/drawing/2014/main" xmlns="" val="10003"/>
+                    <a16:rowId xmlns:a16="http://schemas.microsoft.com/office/drawing/2014/main" val="10003"/>
                   </a:ext>
                 </a:extLst>
               </a:tr>
@@ -6274,7 +6274,7 @@
                 </a:tc>
                 <a:extLst>
                   <a:ext uri="{0D108BD9-81ED-4DB2-BD59-A6C34878D82A}">
-                    <a16:rowId xmlns:a16="http://schemas.microsoft.com/office/drawing/2014/main" xmlns="" val="10004"/>
+                    <a16:rowId xmlns:a16="http://schemas.microsoft.com/office/drawing/2014/main" val="10004"/>
                   </a:ext>
                 </a:extLst>
               </a:tr>
@@ -6287,7 +6287,7 @@
           <p:cNvPr id="4118" name="Symbol zastępczy numeru slajdu 3">
             <a:extLst>
               <a:ext uri="{FF2B5EF4-FFF2-40B4-BE49-F238E27FC236}">
-                <a16:creationId xmlns:a16="http://schemas.microsoft.com/office/drawing/2014/main" xmlns="" id="{CE8B9588-55EB-4F3F-9470-684DFABD27C7}"/>
+                <a16:creationId xmlns:a16="http://schemas.microsoft.com/office/drawing/2014/main" id="{CE8B9588-55EB-4F3F-9470-684DFABD27C7}"/>
               </a:ext>
             </a:extLst>
           </p:cNvPr>
@@ -6489,7 +6489,7 @@
           <p:cNvPr id="6" name="Symbol zastępczy daty 5">
             <a:extLst>
               <a:ext uri="{FF2B5EF4-FFF2-40B4-BE49-F238E27FC236}">
-                <a16:creationId xmlns:a16="http://schemas.microsoft.com/office/drawing/2014/main" xmlns="" id="{C4A5320C-99E4-4EFE-9781-35FAD00DAEB3}"/>
+                <a16:creationId xmlns:a16="http://schemas.microsoft.com/office/drawing/2014/main" id="{C4A5320C-99E4-4EFE-9781-35FAD00DAEB3}"/>
               </a:ext>
             </a:extLst>
           </p:cNvPr>
@@ -6521,7 +6521,7 @@
           <p:cNvPr id="7" name="Symbol zastępczy stopki 6">
             <a:extLst>
               <a:ext uri="{FF2B5EF4-FFF2-40B4-BE49-F238E27FC236}">
-                <a16:creationId xmlns:a16="http://schemas.microsoft.com/office/drawing/2014/main" xmlns="" id="{AA336492-9436-4D91-9843-A808C09D30CC}"/>
+                <a16:creationId xmlns:a16="http://schemas.microsoft.com/office/drawing/2014/main" id="{AA336492-9436-4D91-9843-A808C09D30CC}"/>
               </a:ext>
             </a:extLst>
           </p:cNvPr>
@@ -6553,7 +6553,7 @@
           <p:cNvPr id="4121" name="Group 4">
             <a:extLst>
               <a:ext uri="{FF2B5EF4-FFF2-40B4-BE49-F238E27FC236}">
-                <a16:creationId xmlns:a16="http://schemas.microsoft.com/office/drawing/2014/main" xmlns="" id="{C0BFB8C5-A429-4BD1-938D-5737F8BA5C4B}"/>
+                <a16:creationId xmlns:a16="http://schemas.microsoft.com/office/drawing/2014/main" id="{C0BFB8C5-A429-4BD1-938D-5737F8BA5C4B}"/>
               </a:ext>
             </a:extLst>
           </p:cNvPr>
@@ -6575,7 +6575,7 @@
             <p:cNvPr id="4122" name="Picture 1" descr="59a7622afc">
               <a:extLst>
                 <a:ext uri="{FF2B5EF4-FFF2-40B4-BE49-F238E27FC236}">
-                  <a16:creationId xmlns:a16="http://schemas.microsoft.com/office/drawing/2014/main" xmlns="" id="{8C9B6330-4B55-49BB-945C-B4D543B9D6AE}"/>
+                  <a16:creationId xmlns:a16="http://schemas.microsoft.com/office/drawing/2014/main" id="{8C9B6330-4B55-49BB-945C-B4D543B9D6AE}"/>
                 </a:ext>
               </a:extLst>
             </p:cNvPr>
@@ -6635,7 +6635,7 @@
             <p:cNvPr id="4123" name="Picture 2" descr="logo-eaiib">
               <a:extLst>
                 <a:ext uri="{FF2B5EF4-FFF2-40B4-BE49-F238E27FC236}">
-                  <a16:creationId xmlns:a16="http://schemas.microsoft.com/office/drawing/2014/main" xmlns="" id="{1ADB8374-8745-4327-91B8-2059ED249D4F}"/>
+                  <a16:creationId xmlns:a16="http://schemas.microsoft.com/office/drawing/2014/main" id="{1ADB8374-8745-4327-91B8-2059ED249D4F}"/>
                 </a:ext>
               </a:extLst>
             </p:cNvPr>
@@ -6695,7 +6695,7 @@
             <p:cNvPr id="4124" name="Picture 3">
               <a:extLst>
                 <a:ext uri="{FF2B5EF4-FFF2-40B4-BE49-F238E27FC236}">
-                  <a16:creationId xmlns:a16="http://schemas.microsoft.com/office/drawing/2014/main" xmlns="" id="{2F2B6BC0-F5DE-42B2-8472-302ECEF9CA12}"/>
+                  <a16:creationId xmlns:a16="http://schemas.microsoft.com/office/drawing/2014/main" id="{2F2B6BC0-F5DE-42B2-8472-302ECEF9CA12}"/>
                 </a:ext>
               </a:extLst>
             </p:cNvPr>
@@ -6755,7 +6755,7 @@
             <p:cNvPr id="4125" name="Obraz 3" descr="Opis: logo_autonomous_vehicle_color.png">
               <a:extLst>
                 <a:ext uri="{FF2B5EF4-FFF2-40B4-BE49-F238E27FC236}">
-                  <a16:creationId xmlns:a16="http://schemas.microsoft.com/office/drawing/2014/main" xmlns="" id="{CE9F685F-39ED-4C6B-835D-C7B77CD7F9EB}"/>
+                  <a16:creationId xmlns:a16="http://schemas.microsoft.com/office/drawing/2014/main" id="{CE9F685F-39ED-4C6B-835D-C7B77CD7F9EB}"/>
                 </a:ext>
               </a:extLst>
             </p:cNvPr>
@@ -6841,7 +6841,7 @@
           <p:cNvPr id="6146" name="Tytuł 1">
             <a:extLst>
               <a:ext uri="{FF2B5EF4-FFF2-40B4-BE49-F238E27FC236}">
-                <a16:creationId xmlns:a16="http://schemas.microsoft.com/office/drawing/2014/main" xmlns="" id="{ABF5A8D4-0581-44F3-9CA5-FAAE1588E46E}"/>
+                <a16:creationId xmlns:a16="http://schemas.microsoft.com/office/drawing/2014/main" id="{ABF5A8D4-0581-44F3-9CA5-FAAE1588E46E}"/>
               </a:ext>
             </a:extLst>
           </p:cNvPr>
@@ -6880,7 +6880,7 @@
           <p:cNvPr id="6147" name="Symbol zastępczy numeru slajdu 3">
             <a:extLst>
               <a:ext uri="{FF2B5EF4-FFF2-40B4-BE49-F238E27FC236}">
-                <a16:creationId xmlns:a16="http://schemas.microsoft.com/office/drawing/2014/main" xmlns="" id="{47E35F72-7969-4C40-BCC0-8236643FCD8E}"/>
+                <a16:creationId xmlns:a16="http://schemas.microsoft.com/office/drawing/2014/main" id="{47E35F72-7969-4C40-BCC0-8236643FCD8E}"/>
               </a:ext>
             </a:extLst>
           </p:cNvPr>
@@ -7082,7 +7082,7 @@
           <p:cNvPr id="6" name="Symbol zastępczy daty 5">
             <a:extLst>
               <a:ext uri="{FF2B5EF4-FFF2-40B4-BE49-F238E27FC236}">
-                <a16:creationId xmlns:a16="http://schemas.microsoft.com/office/drawing/2014/main" xmlns="" id="{D63DD4DE-E50C-4CA2-83AC-2E642E2F2E00}"/>
+                <a16:creationId xmlns:a16="http://schemas.microsoft.com/office/drawing/2014/main" id="{D63DD4DE-E50C-4CA2-83AC-2E642E2F2E00}"/>
               </a:ext>
             </a:extLst>
           </p:cNvPr>
@@ -7114,7 +7114,7 @@
           <p:cNvPr id="7" name="Symbol zastępczy stopki 6">
             <a:extLst>
               <a:ext uri="{FF2B5EF4-FFF2-40B4-BE49-F238E27FC236}">
-                <a16:creationId xmlns:a16="http://schemas.microsoft.com/office/drawing/2014/main" xmlns="" id="{91C936D9-8223-4393-8CBD-59AD40AD4EB5}"/>
+                <a16:creationId xmlns:a16="http://schemas.microsoft.com/office/drawing/2014/main" id="{91C936D9-8223-4393-8CBD-59AD40AD4EB5}"/>
               </a:ext>
             </a:extLst>
           </p:cNvPr>
@@ -7148,7 +7148,7 @@
               <p:cNvPr id="2" name="pole tekstowe 1">
                 <a:extLst>
                   <a:ext uri="{FF2B5EF4-FFF2-40B4-BE49-F238E27FC236}">
-                    <a16:creationId xmlns:a16="http://schemas.microsoft.com/office/drawing/2014/main" xmlns="" id="{EC16A84E-90B0-4BFF-8AFC-745D8ED01C15}"/>
+                    <a16:creationId xmlns:a16="http://schemas.microsoft.com/office/drawing/2014/main" id="{EC16A84E-90B0-4BFF-8AFC-745D8ED01C15}"/>
                   </a:ext>
                 </a:extLst>
               </p:cNvPr>
@@ -7214,7 +7214,7 @@
                         <m:funcPr>
                           <m:ctrlPr>
                             <a:rPr lang="pl-PL" b="0" i="1" smtClean="0">
-                              <a:latin typeface="Cambria Math"/>
+                              <a:latin typeface="Cambria Math" panose="02040503050406030204" pitchFamily="18" charset="0"/>
                             </a:rPr>
                           </m:ctrlPr>
                         </m:funcPr>
@@ -7234,7 +7234,7 @@
                             <m:dPr>
                               <m:ctrlPr>
                                 <a:rPr lang="pl-PL" b="0" i="1" smtClean="0">
-                                  <a:latin typeface="Cambria Math"/>
+                                  <a:latin typeface="Cambria Math" panose="02040503050406030204" pitchFamily="18" charset="0"/>
                                 </a:rPr>
                               </m:ctrlPr>
                             </m:dPr>
@@ -7277,7 +7277,7 @@
                         <m:fPr>
                           <m:ctrlPr>
                             <a:rPr lang="pl-PL" b="0" i="1" smtClean="0">
-                              <a:latin typeface="Cambria Math"/>
+                              <a:latin typeface="Cambria Math" panose="02040503050406030204" pitchFamily="18" charset="0"/>
                               <a:ea typeface="Cambria Math" panose="02040503050406030204" pitchFamily="18" charset="0"/>
                             </a:rPr>
                           </m:ctrlPr>
@@ -7400,7 +7400,7 @@
           <p:cNvPr id="8194" name="Tytuł 1">
             <a:extLst>
               <a:ext uri="{FF2B5EF4-FFF2-40B4-BE49-F238E27FC236}">
-                <a16:creationId xmlns:a16="http://schemas.microsoft.com/office/drawing/2014/main" xmlns="" id="{B90EFA88-F91C-4B8D-B17C-96104C12F57E}"/>
+                <a16:creationId xmlns:a16="http://schemas.microsoft.com/office/drawing/2014/main" id="{B90EFA88-F91C-4B8D-B17C-96104C12F57E}"/>
               </a:ext>
             </a:extLst>
           </p:cNvPr>
@@ -7439,7 +7439,7 @@
           <p:cNvPr id="8195" name="Symbol zastępczy numeru slajdu 3">
             <a:extLst>
               <a:ext uri="{FF2B5EF4-FFF2-40B4-BE49-F238E27FC236}">
-                <a16:creationId xmlns:a16="http://schemas.microsoft.com/office/drawing/2014/main" xmlns="" id="{7B9B41F0-74A3-43AF-ACCF-8873D49E98D5}"/>
+                <a16:creationId xmlns:a16="http://schemas.microsoft.com/office/drawing/2014/main" id="{7B9B41F0-74A3-43AF-ACCF-8873D49E98D5}"/>
               </a:ext>
             </a:extLst>
           </p:cNvPr>
@@ -7641,7 +7641,7 @@
           <p:cNvPr id="6" name="Symbol zastępczy daty 5">
             <a:extLst>
               <a:ext uri="{FF2B5EF4-FFF2-40B4-BE49-F238E27FC236}">
-                <a16:creationId xmlns:a16="http://schemas.microsoft.com/office/drawing/2014/main" xmlns="" id="{1E57C8A5-79AE-4020-9F94-1B26AFFE5F02}"/>
+                <a16:creationId xmlns:a16="http://schemas.microsoft.com/office/drawing/2014/main" id="{1E57C8A5-79AE-4020-9F94-1B26AFFE5F02}"/>
               </a:ext>
             </a:extLst>
           </p:cNvPr>
@@ -7673,7 +7673,7 @@
           <p:cNvPr id="7" name="Symbol zastępczy stopki 6">
             <a:extLst>
               <a:ext uri="{FF2B5EF4-FFF2-40B4-BE49-F238E27FC236}">
-                <a16:creationId xmlns:a16="http://schemas.microsoft.com/office/drawing/2014/main" xmlns="" id="{540FBF6D-62F0-48EA-9ECE-0F33DDAC3BE0}"/>
+                <a16:creationId xmlns:a16="http://schemas.microsoft.com/office/drawing/2014/main" id="{540FBF6D-62F0-48EA-9ECE-0F33DDAC3BE0}"/>
               </a:ext>
             </a:extLst>
           </p:cNvPr>
@@ -7697,6 +7697,327 @@
               <a:t>Sprawozdanie z ćwiczeń laboratoryjnych z Automatyki Pojazdowej</a:t>
             </a:r>
             <a:endParaRPr lang="pl-PL" dirty="0"/>
+          </a:p>
+        </p:txBody>
+      </p:sp>
+      <p:pic>
+        <p:nvPicPr>
+          <p:cNvPr id="3" name="Obraz 2">
+            <a:extLst>
+              <a:ext uri="{FF2B5EF4-FFF2-40B4-BE49-F238E27FC236}">
+                <a16:creationId xmlns:a16="http://schemas.microsoft.com/office/drawing/2014/main" id="{01FBD9E6-7646-4001-8BB2-BC9E889EF01A}"/>
+              </a:ext>
+            </a:extLst>
+          </p:cNvPr>
+          <p:cNvPicPr>
+            <a:picLocks noChangeAspect="1"/>
+          </p:cNvPicPr>
+          <p:nvPr/>
+        </p:nvPicPr>
+        <p:blipFill>
+          <a:blip r:embed="rId3"/>
+          <a:stretch>
+            <a:fillRect/>
+          </a:stretch>
+        </p:blipFill>
+        <p:spPr>
+          <a:xfrm>
+            <a:off x="3138066" y="775008"/>
+            <a:ext cx="2432568" cy="2501532"/>
+          </a:xfrm>
+          <a:prstGeom prst="rect">
+            <a:avLst/>
+          </a:prstGeom>
+        </p:spPr>
+      </p:pic>
+      <p:pic>
+        <p:nvPicPr>
+          <p:cNvPr id="5" name="Obraz 4">
+            <a:extLst>
+              <a:ext uri="{FF2B5EF4-FFF2-40B4-BE49-F238E27FC236}">
+                <a16:creationId xmlns:a16="http://schemas.microsoft.com/office/drawing/2014/main" id="{01BBCAC6-6DB8-4CE4-B85C-62E5C7204FDB}"/>
+              </a:ext>
+            </a:extLst>
+          </p:cNvPr>
+          <p:cNvPicPr>
+            <a:picLocks noChangeAspect="1"/>
+          </p:cNvPicPr>
+          <p:nvPr/>
+        </p:nvPicPr>
+        <p:blipFill>
+          <a:blip r:embed="rId4"/>
+          <a:stretch>
+            <a:fillRect/>
+          </a:stretch>
+        </p:blipFill>
+        <p:spPr>
+          <a:xfrm>
+            <a:off x="6311297" y="577834"/>
+            <a:ext cx="1816703" cy="3838828"/>
+          </a:xfrm>
+          <a:prstGeom prst="rect">
+            <a:avLst/>
+          </a:prstGeom>
+        </p:spPr>
+      </p:pic>
+      <p:pic>
+        <p:nvPicPr>
+          <p:cNvPr id="9" name="Obraz 8">
+            <a:extLst>
+              <a:ext uri="{FF2B5EF4-FFF2-40B4-BE49-F238E27FC236}">
+                <a16:creationId xmlns:a16="http://schemas.microsoft.com/office/drawing/2014/main" id="{6213AD5C-B4CF-41AC-A019-EFF89E77D016}"/>
+              </a:ext>
+            </a:extLst>
+          </p:cNvPr>
+          <p:cNvPicPr>
+            <a:picLocks noChangeAspect="1"/>
+          </p:cNvPicPr>
+          <p:nvPr/>
+        </p:nvPicPr>
+        <p:blipFill>
+          <a:blip r:embed="rId5"/>
+          <a:stretch>
+            <a:fillRect/>
+          </a:stretch>
+        </p:blipFill>
+        <p:spPr>
+          <a:xfrm>
+            <a:off x="344788" y="3165896"/>
+            <a:ext cx="2645469" cy="2501532"/>
+          </a:xfrm>
+          <a:prstGeom prst="rect">
+            <a:avLst/>
+          </a:prstGeom>
+        </p:spPr>
+      </p:pic>
+      <p:cxnSp>
+        <p:nvCxnSpPr>
+          <p:cNvPr id="14" name="Łącznik prosty ze strzałką 13">
+            <a:extLst>
+              <a:ext uri="{FF2B5EF4-FFF2-40B4-BE49-F238E27FC236}">
+                <a16:creationId xmlns:a16="http://schemas.microsoft.com/office/drawing/2014/main" id="{841FF668-D448-4068-B500-43A46A6D8A11}"/>
+              </a:ext>
+            </a:extLst>
+          </p:cNvPr>
+          <p:cNvCxnSpPr>
+            <a:cxnSpLocks/>
+            <a:endCxn id="9" idx="3"/>
+          </p:cNvCxnSpPr>
+          <p:nvPr/>
+        </p:nvCxnSpPr>
+        <p:spPr>
+          <a:xfrm flipH="1">
+            <a:off x="2990257" y="4416662"/>
+            <a:ext cx="1004694" cy="0"/>
+          </a:xfrm>
+          <a:prstGeom prst="straightConnector1">
+            <a:avLst/>
+          </a:prstGeom>
+          <a:ln>
+            <a:tailEnd type="triangle"/>
+          </a:ln>
+        </p:spPr>
+        <p:style>
+          <a:lnRef idx="2">
+            <a:schemeClr val="accent1"/>
+          </a:lnRef>
+          <a:fillRef idx="0">
+            <a:schemeClr val="accent1"/>
+          </a:fillRef>
+          <a:effectRef idx="1">
+            <a:schemeClr val="accent1"/>
+          </a:effectRef>
+          <a:fontRef idx="minor">
+            <a:schemeClr val="tx1"/>
+          </a:fontRef>
+        </p:style>
+      </p:cxnSp>
+      <p:sp>
+        <p:nvSpPr>
+          <p:cNvPr id="16" name="pole tekstowe 15">
+            <a:extLst>
+              <a:ext uri="{FF2B5EF4-FFF2-40B4-BE49-F238E27FC236}">
+                <a16:creationId xmlns:a16="http://schemas.microsoft.com/office/drawing/2014/main" id="{95D405F7-89BC-42F6-93CB-2427A21A1B8F}"/>
+              </a:ext>
+            </a:extLst>
+          </p:cNvPr>
+          <p:cNvSpPr txBox="1"/>
+          <p:nvPr/>
+        </p:nvSpPr>
+        <p:spPr>
+          <a:xfrm>
+            <a:off x="4101483" y="4231996"/>
+            <a:ext cx="1534243" cy="369332"/>
+          </a:xfrm>
+          <a:prstGeom prst="rect">
+            <a:avLst/>
+          </a:prstGeom>
+          <a:noFill/>
+        </p:spPr>
+        <p:txBody>
+          <a:bodyPr wrap="square" rtlCol="0">
+            <a:spAutoFit/>
+          </a:bodyPr>
+          <a:lstStyle/>
+          <a:p>
+            <a:r>
+              <a:rPr lang="pl-PL" dirty="0"/>
+              <a:t>Kod węzła B</a:t>
+            </a:r>
+          </a:p>
+        </p:txBody>
+      </p:sp>
+      <p:cxnSp>
+        <p:nvCxnSpPr>
+          <p:cNvPr id="18" name="Łącznik prosty ze strzałką 17">
+            <a:extLst>
+              <a:ext uri="{FF2B5EF4-FFF2-40B4-BE49-F238E27FC236}">
+                <a16:creationId xmlns:a16="http://schemas.microsoft.com/office/drawing/2014/main" id="{28A117A1-3125-44C8-876D-101C5ADBE66A}"/>
+              </a:ext>
+            </a:extLst>
+          </p:cNvPr>
+          <p:cNvCxnSpPr>
+            <a:cxnSpLocks/>
+            <a:endCxn id="5" idx="2"/>
+          </p:cNvCxnSpPr>
+          <p:nvPr/>
+        </p:nvCxnSpPr>
+        <p:spPr>
+          <a:xfrm flipV="1">
+            <a:off x="7219649" y="4416662"/>
+            <a:ext cx="0" cy="688922"/>
+          </a:xfrm>
+          <a:prstGeom prst="straightConnector1">
+            <a:avLst/>
+          </a:prstGeom>
+          <a:ln>
+            <a:tailEnd type="triangle"/>
+          </a:ln>
+        </p:spPr>
+        <p:style>
+          <a:lnRef idx="2">
+            <a:schemeClr val="accent1"/>
+          </a:lnRef>
+          <a:fillRef idx="0">
+            <a:schemeClr val="accent1"/>
+          </a:fillRef>
+          <a:effectRef idx="1">
+            <a:schemeClr val="accent1"/>
+          </a:effectRef>
+          <a:fontRef idx="minor">
+            <a:schemeClr val="tx1"/>
+          </a:fontRef>
+        </p:style>
+      </p:cxnSp>
+      <p:sp>
+        <p:nvSpPr>
+          <p:cNvPr id="21" name="pole tekstowe 20">
+            <a:extLst>
+              <a:ext uri="{FF2B5EF4-FFF2-40B4-BE49-F238E27FC236}">
+                <a16:creationId xmlns:a16="http://schemas.microsoft.com/office/drawing/2014/main" id="{E9DB9C0E-1ACF-4548-B7BA-A4CA848411E3}"/>
+              </a:ext>
+            </a:extLst>
+          </p:cNvPr>
+          <p:cNvSpPr txBox="1"/>
+          <p:nvPr/>
+        </p:nvSpPr>
+        <p:spPr>
+          <a:xfrm>
+            <a:off x="6596109" y="5255581"/>
+            <a:ext cx="1908699" cy="369332"/>
+          </a:xfrm>
+          <a:prstGeom prst="rect">
+            <a:avLst/>
+          </a:prstGeom>
+          <a:noFill/>
+        </p:spPr>
+        <p:txBody>
+          <a:bodyPr wrap="square" rtlCol="0">
+            <a:spAutoFit/>
+          </a:bodyPr>
+          <a:lstStyle/>
+          <a:p>
+            <a:r>
+              <a:rPr lang="pl-PL" dirty="0"/>
+              <a:t>Kod węzła B</a:t>
+            </a:r>
+          </a:p>
+        </p:txBody>
+      </p:sp>
+      <p:cxnSp>
+        <p:nvCxnSpPr>
+          <p:cNvPr id="23" name="Łącznik prosty ze strzałką 22">
+            <a:extLst>
+              <a:ext uri="{FF2B5EF4-FFF2-40B4-BE49-F238E27FC236}">
+                <a16:creationId xmlns:a16="http://schemas.microsoft.com/office/drawing/2014/main" id="{866E724D-939D-4628-892D-E403DF6C45DC}"/>
+              </a:ext>
+            </a:extLst>
+          </p:cNvPr>
+          <p:cNvCxnSpPr>
+            <a:cxnSpLocks/>
+            <a:endCxn id="3" idx="1"/>
+          </p:cNvCxnSpPr>
+          <p:nvPr/>
+        </p:nvCxnSpPr>
+        <p:spPr>
+          <a:xfrm>
+            <a:off x="2352583" y="2025773"/>
+            <a:ext cx="785483" cy="1"/>
+          </a:xfrm>
+          <a:prstGeom prst="straightConnector1">
+            <a:avLst/>
+          </a:prstGeom>
+          <a:ln>
+            <a:tailEnd type="triangle"/>
+          </a:ln>
+        </p:spPr>
+        <p:style>
+          <a:lnRef idx="2">
+            <a:schemeClr val="accent1"/>
+          </a:lnRef>
+          <a:fillRef idx="0">
+            <a:schemeClr val="accent1"/>
+          </a:fillRef>
+          <a:effectRef idx="1">
+            <a:schemeClr val="accent1"/>
+          </a:effectRef>
+          <a:fontRef idx="minor">
+            <a:schemeClr val="tx1"/>
+          </a:fontRef>
+        </p:style>
+      </p:cxnSp>
+      <p:sp>
+        <p:nvSpPr>
+          <p:cNvPr id="27" name="pole tekstowe 26">
+            <a:extLst>
+              <a:ext uri="{FF2B5EF4-FFF2-40B4-BE49-F238E27FC236}">
+                <a16:creationId xmlns:a16="http://schemas.microsoft.com/office/drawing/2014/main" id="{E6F2E9EB-031E-4BB4-8288-4931391ABD1A}"/>
+              </a:ext>
+            </a:extLst>
+          </p:cNvPr>
+          <p:cNvSpPr txBox="1"/>
+          <p:nvPr/>
+        </p:nvSpPr>
+        <p:spPr>
+          <a:xfrm>
+            <a:off x="1192290" y="1895789"/>
+            <a:ext cx="1398510" cy="369332"/>
+          </a:xfrm>
+          <a:prstGeom prst="rect">
+            <a:avLst/>
+          </a:prstGeom>
+          <a:noFill/>
+        </p:spPr>
+        <p:txBody>
+          <a:bodyPr wrap="square" rtlCol="0">
+            <a:spAutoFit/>
+          </a:bodyPr>
+          <a:lstStyle/>
+          <a:p>
+            <a:r>
+              <a:rPr lang="pl-PL" dirty="0"/>
+              <a:t>Schemat</a:t>
+            </a:r>
           </a:p>
         </p:txBody>
       </p:sp>
@@ -7730,7 +8051,7 @@
           <p:cNvPr id="10242" name="Tytuł 1">
             <a:extLst>
               <a:ext uri="{FF2B5EF4-FFF2-40B4-BE49-F238E27FC236}">
-                <a16:creationId xmlns:a16="http://schemas.microsoft.com/office/drawing/2014/main" xmlns="" id="{F2BD3071-640D-468B-94DB-1D197D829254}"/>
+                <a16:creationId xmlns:a16="http://schemas.microsoft.com/office/drawing/2014/main" id="{F2BD3071-640D-468B-94DB-1D197D829254}"/>
               </a:ext>
             </a:extLst>
           </p:cNvPr>
@@ -7769,7 +8090,7 @@
           <p:cNvPr id="10243" name="Symbol zastępczy numeru slajdu 3">
             <a:extLst>
               <a:ext uri="{FF2B5EF4-FFF2-40B4-BE49-F238E27FC236}">
-                <a16:creationId xmlns:a16="http://schemas.microsoft.com/office/drawing/2014/main" xmlns="" id="{1B0BE0FE-08ED-42CA-89BC-A3C550BD95C5}"/>
+                <a16:creationId xmlns:a16="http://schemas.microsoft.com/office/drawing/2014/main" id="{1B0BE0FE-08ED-42CA-89BC-A3C550BD95C5}"/>
               </a:ext>
             </a:extLst>
           </p:cNvPr>
@@ -7971,7 +8292,7 @@
           <p:cNvPr id="6" name="Symbol zastępczy daty 5">
             <a:extLst>
               <a:ext uri="{FF2B5EF4-FFF2-40B4-BE49-F238E27FC236}">
-                <a16:creationId xmlns:a16="http://schemas.microsoft.com/office/drawing/2014/main" xmlns="" id="{042761D1-4A2D-46ED-ABA7-58D97E2CF24D}"/>
+                <a16:creationId xmlns:a16="http://schemas.microsoft.com/office/drawing/2014/main" id="{042761D1-4A2D-46ED-ABA7-58D97E2CF24D}"/>
               </a:ext>
             </a:extLst>
           </p:cNvPr>
@@ -8003,7 +8324,7 @@
           <p:cNvPr id="7" name="Symbol zastępczy stopki 6">
             <a:extLst>
               <a:ext uri="{FF2B5EF4-FFF2-40B4-BE49-F238E27FC236}">
-                <a16:creationId xmlns:a16="http://schemas.microsoft.com/office/drawing/2014/main" xmlns="" id="{C427A2E0-AC89-4124-8939-6F39408788F3}"/>
+                <a16:creationId xmlns:a16="http://schemas.microsoft.com/office/drawing/2014/main" id="{C427A2E0-AC89-4124-8939-6F39408788F3}"/>
               </a:ext>
             </a:extLst>
           </p:cNvPr>
@@ -8029,567 +8350,66 @@
           </a:p>
         </p:txBody>
       </p:sp>
-      <p:sp>
-        <p:nvSpPr>
-          <p:cNvPr id="10246" name="pole tekstowe 16">
+      <p:pic>
+        <p:nvPicPr>
+          <p:cNvPr id="3" name="Obraz 2">
             <a:extLst>
               <a:ext uri="{FF2B5EF4-FFF2-40B4-BE49-F238E27FC236}">
-                <a16:creationId xmlns:a16="http://schemas.microsoft.com/office/drawing/2014/main" xmlns="" id="{A0F4B9CE-CFB4-4BBD-B5B0-7306856E28FD}"/>
+                <a16:creationId xmlns:a16="http://schemas.microsoft.com/office/drawing/2014/main" id="{282DC306-465A-4742-8638-800C29AB7F80}"/>
               </a:ext>
             </a:extLst>
           </p:cNvPr>
-          <p:cNvSpPr txBox="1">
-            <a:spLocks noChangeArrowheads="1"/>
-          </p:cNvSpPr>
+          <p:cNvPicPr>
+            <a:picLocks noChangeAspect="1"/>
+          </p:cNvPicPr>
           <p:nvPr/>
-        </p:nvSpPr>
-        <p:spPr bwMode="auto">
+        </p:nvPicPr>
+        <p:blipFill>
+          <a:blip r:embed="rId3"/>
+          <a:stretch>
+            <a:fillRect/>
+          </a:stretch>
+        </p:blipFill>
+        <p:spPr>
           <a:xfrm>
-            <a:off x="560388" y="4508500"/>
-            <a:ext cx="3235325" cy="1200150"/>
+            <a:off x="0" y="617538"/>
+            <a:ext cx="9144000" cy="1373909"/>
           </a:xfrm>
           <a:prstGeom prst="rect">
             <a:avLst/>
           </a:prstGeom>
-          <a:noFill/>
-          <a:ln>
-            <a:noFill/>
-          </a:ln>
-          <a:extLst>
-            <a:ext uri="{909E8E84-426E-40DD-AFC4-6F175D3DCCD1}">
-              <a14:hiddenFill xmlns:a14="http://schemas.microsoft.com/office/drawing/2010/main">
-                <a:solidFill>
-                  <a:srgbClr val="FFFFFF"/>
-                </a:solidFill>
-              </a14:hiddenFill>
-            </a:ext>
-            <a:ext uri="{91240B29-F687-4F45-9708-019B960494DF}">
-              <a14:hiddenLine xmlns:a14="http://schemas.microsoft.com/office/drawing/2010/main" w="9525">
-                <a:solidFill>
-                  <a:srgbClr val="000000"/>
-                </a:solidFill>
-                <a:miter lim="800000"/>
-                <a:headEnd/>
-                <a:tailEnd/>
-              </a14:hiddenLine>
-            </a:ext>
-          </a:extLst>
         </p:spPr>
-        <p:txBody>
-          <a:bodyPr>
-            <a:spAutoFit/>
-          </a:bodyPr>
-          <a:lstStyle>
-            <a:lvl1pPr>
-              <a:spcBef>
-                <a:spcPct val="20000"/>
-              </a:spcBef>
-              <a:buFont typeface="Arial" panose="020B0604020202020204" pitchFamily="34" charset="0"/>
-              <a:buChar char="•"/>
-              <a:defRPr sz="3200">
-                <a:solidFill>
-                  <a:schemeClr val="tx1"/>
-                </a:solidFill>
-                <a:latin typeface="Calibri" panose="020F0502020204030204" pitchFamily="34" charset="0"/>
-              </a:defRPr>
-            </a:lvl1pPr>
-            <a:lvl2pPr marL="742950" indent="-285750">
-              <a:spcBef>
-                <a:spcPct val="20000"/>
-              </a:spcBef>
-              <a:buFont typeface="Arial" panose="020B0604020202020204" pitchFamily="34" charset="0"/>
-              <a:buChar char="–"/>
-              <a:defRPr sz="2800">
-                <a:solidFill>
-                  <a:schemeClr val="tx1"/>
-                </a:solidFill>
-                <a:latin typeface="Calibri" panose="020F0502020204030204" pitchFamily="34" charset="0"/>
-              </a:defRPr>
-            </a:lvl2pPr>
-            <a:lvl3pPr marL="1143000" indent="-228600">
-              <a:spcBef>
-                <a:spcPct val="20000"/>
-              </a:spcBef>
-              <a:buFont typeface="Arial" panose="020B0604020202020204" pitchFamily="34" charset="0"/>
-              <a:buChar char="•"/>
-              <a:defRPr sz="2400">
-                <a:solidFill>
-                  <a:schemeClr val="tx1"/>
-                </a:solidFill>
-                <a:latin typeface="Calibri" panose="020F0502020204030204" pitchFamily="34" charset="0"/>
-              </a:defRPr>
-            </a:lvl3pPr>
-            <a:lvl4pPr marL="1600200" indent="-228600">
-              <a:spcBef>
-                <a:spcPct val="20000"/>
-              </a:spcBef>
-              <a:buFont typeface="Arial" panose="020B0604020202020204" pitchFamily="34" charset="0"/>
-              <a:buChar char="–"/>
-              <a:defRPr sz="2000">
-                <a:solidFill>
-                  <a:schemeClr val="tx1"/>
-                </a:solidFill>
-                <a:latin typeface="Calibri" panose="020F0502020204030204" pitchFamily="34" charset="0"/>
-              </a:defRPr>
-            </a:lvl4pPr>
-            <a:lvl5pPr marL="2057400" indent="-228600">
-              <a:spcBef>
-                <a:spcPct val="20000"/>
-              </a:spcBef>
-              <a:buFont typeface="Arial" panose="020B0604020202020204" pitchFamily="34" charset="0"/>
-              <a:buChar char="»"/>
-              <a:defRPr sz="2000">
-                <a:solidFill>
-                  <a:schemeClr val="tx1"/>
-                </a:solidFill>
-                <a:latin typeface="Calibri" panose="020F0502020204030204" pitchFamily="34" charset="0"/>
-              </a:defRPr>
-            </a:lvl5pPr>
-            <a:lvl6pPr marL="2514600" indent="-228600" defTabSz="457200" eaLnBrk="0" fontAlgn="base" hangingPunct="0">
-              <a:spcBef>
-                <a:spcPct val="20000"/>
-              </a:spcBef>
-              <a:spcAft>
-                <a:spcPct val="0"/>
-              </a:spcAft>
-              <a:buFont typeface="Arial" panose="020B0604020202020204" pitchFamily="34" charset="0"/>
-              <a:buChar char="»"/>
-              <a:defRPr sz="2000">
-                <a:solidFill>
-                  <a:schemeClr val="tx1"/>
-                </a:solidFill>
-                <a:latin typeface="Calibri" panose="020F0502020204030204" pitchFamily="34" charset="0"/>
-              </a:defRPr>
-            </a:lvl6pPr>
-            <a:lvl7pPr marL="2971800" indent="-228600" defTabSz="457200" eaLnBrk="0" fontAlgn="base" hangingPunct="0">
-              <a:spcBef>
-                <a:spcPct val="20000"/>
-              </a:spcBef>
-              <a:spcAft>
-                <a:spcPct val="0"/>
-              </a:spcAft>
-              <a:buFont typeface="Arial" panose="020B0604020202020204" pitchFamily="34" charset="0"/>
-              <a:buChar char="»"/>
-              <a:defRPr sz="2000">
-                <a:solidFill>
-                  <a:schemeClr val="tx1"/>
-                </a:solidFill>
-                <a:latin typeface="Calibri" panose="020F0502020204030204" pitchFamily="34" charset="0"/>
-              </a:defRPr>
-            </a:lvl7pPr>
-            <a:lvl8pPr marL="3429000" indent="-228600" defTabSz="457200" eaLnBrk="0" fontAlgn="base" hangingPunct="0">
-              <a:spcBef>
-                <a:spcPct val="20000"/>
-              </a:spcBef>
-              <a:spcAft>
-                <a:spcPct val="0"/>
-              </a:spcAft>
-              <a:buFont typeface="Arial" panose="020B0604020202020204" pitchFamily="34" charset="0"/>
-              <a:buChar char="»"/>
-              <a:defRPr sz="2000">
-                <a:solidFill>
-                  <a:schemeClr val="tx1"/>
-                </a:solidFill>
-                <a:latin typeface="Calibri" panose="020F0502020204030204" pitchFamily="34" charset="0"/>
-              </a:defRPr>
-            </a:lvl8pPr>
-            <a:lvl9pPr marL="3886200" indent="-228600" defTabSz="457200" eaLnBrk="0" fontAlgn="base" hangingPunct="0">
-              <a:spcBef>
-                <a:spcPct val="20000"/>
-              </a:spcBef>
-              <a:spcAft>
-                <a:spcPct val="0"/>
-              </a:spcAft>
-              <a:buFont typeface="Arial" panose="020B0604020202020204" pitchFamily="34" charset="0"/>
-              <a:buChar char="»"/>
-              <a:defRPr sz="2000">
-                <a:solidFill>
-                  <a:schemeClr val="tx1"/>
-                </a:solidFill>
-                <a:latin typeface="Calibri" panose="020F0502020204030204" pitchFamily="34" charset="0"/>
-              </a:defRPr>
-            </a:lvl9pPr>
-          </a:lstStyle>
-          <a:p>
-            <a:pPr algn="just">
-              <a:spcBef>
-                <a:spcPct val="0"/>
-              </a:spcBef>
-              <a:buFont typeface="Arial" panose="020B0604020202020204" pitchFamily="34" charset="0"/>
-              <a:buNone/>
-            </a:pPr>
-            <a:r>
-              <a:rPr lang="pl-PL" altLang="pl-PL" sz="1800" b="1" i="1">
-                <a:solidFill>
-                  <a:srgbClr val="C00000"/>
-                </a:solidFill>
-              </a:rPr>
-              <a:t>Porównanie otrzymanego modelu z danymi eksperymentalnymi dla pojazdu przyspieszającego</a:t>
-            </a:r>
-          </a:p>
-        </p:txBody>
-      </p:sp>
+      </p:pic>
       <p:pic>
         <p:nvPicPr>
-          <p:cNvPr id="10247" name="Obraz 2">
+          <p:cNvPr id="8" name="Obraz 7">
             <a:extLst>
               <a:ext uri="{FF2B5EF4-FFF2-40B4-BE49-F238E27FC236}">
-                <a16:creationId xmlns:a16="http://schemas.microsoft.com/office/drawing/2014/main" xmlns="" id="{6ACE65B3-D5D8-4F96-8DE3-CE38DC871F24}"/>
+                <a16:creationId xmlns:a16="http://schemas.microsoft.com/office/drawing/2014/main" id="{66ED295E-4CE0-4321-972A-381488718057}"/>
               </a:ext>
             </a:extLst>
           </p:cNvPr>
           <p:cNvPicPr>
-            <a:picLocks noChangeAspect="1" noChangeArrowheads="1"/>
+            <a:picLocks noChangeAspect="1"/>
           </p:cNvPicPr>
           <p:nvPr/>
         </p:nvPicPr>
         <p:blipFill>
-          <a:blip r:embed="rId3">
-            <a:extLst>
-              <a:ext uri="{28A0092B-C50C-407E-A947-70E740481C1C}">
-                <a14:useLocalDpi xmlns:a14="http://schemas.microsoft.com/office/drawing/2010/main" val="0"/>
-              </a:ext>
-            </a:extLst>
-          </a:blip>
-          <a:srcRect/>
+          <a:blip r:embed="rId4"/>
           <a:stretch>
             <a:fillRect/>
           </a:stretch>
         </p:blipFill>
-        <p:spPr bwMode="auto">
+        <p:spPr>
           <a:xfrm>
-            <a:off x="158750" y="744538"/>
-            <a:ext cx="4244975" cy="3181350"/>
+            <a:off x="0" y="2119573"/>
+            <a:ext cx="9144000" cy="4236777"/>
           </a:xfrm>
           <a:prstGeom prst="rect">
             <a:avLst/>
           </a:prstGeom>
-          <a:noFill/>
-          <a:ln>
-            <a:noFill/>
-          </a:ln>
-          <a:extLst>
-            <a:ext uri="{909E8E84-426E-40DD-AFC4-6F175D3DCCD1}">
-              <a14:hiddenFill xmlns:a14="http://schemas.microsoft.com/office/drawing/2010/main">
-                <a:solidFill>
-                  <a:srgbClr val="FFFFFF"/>
-                </a:solidFill>
-              </a14:hiddenFill>
-            </a:ext>
-            <a:ext uri="{91240B29-F687-4F45-9708-019B960494DF}">
-              <a14:hiddenLine xmlns:a14="http://schemas.microsoft.com/office/drawing/2010/main" w="9525">
-                <a:solidFill>
-                  <a:srgbClr val="000000"/>
-                </a:solidFill>
-                <a:miter lim="800000"/>
-                <a:headEnd/>
-                <a:tailEnd/>
-              </a14:hiddenLine>
-            </a:ext>
-          </a:extLst>
         </p:spPr>
       </p:pic>
-      <p:pic>
-        <p:nvPicPr>
-          <p:cNvPr id="10248" name="Obraz 4">
-            <a:extLst>
-              <a:ext uri="{FF2B5EF4-FFF2-40B4-BE49-F238E27FC236}">
-                <a16:creationId xmlns:a16="http://schemas.microsoft.com/office/drawing/2014/main" xmlns="" id="{349B5729-467C-41CA-93F9-B28CB424DB40}"/>
-              </a:ext>
-            </a:extLst>
-          </p:cNvPr>
-          <p:cNvPicPr>
-            <a:picLocks noChangeAspect="1" noChangeArrowheads="1"/>
-          </p:cNvPicPr>
-          <p:nvPr/>
-        </p:nvPicPr>
-        <p:blipFill>
-          <a:blip r:embed="rId4">
-            <a:extLst>
-              <a:ext uri="{28A0092B-C50C-407E-A947-70E740481C1C}">
-                <a14:useLocalDpi xmlns:a14="http://schemas.microsoft.com/office/drawing/2010/main" val="0"/>
-              </a:ext>
-            </a:extLst>
-          </a:blip>
-          <a:srcRect/>
-          <a:stretch>
-            <a:fillRect/>
-          </a:stretch>
-        </p:blipFill>
-        <p:spPr bwMode="auto">
-          <a:xfrm>
-            <a:off x="4478338" y="2860675"/>
-            <a:ext cx="4433887" cy="3325813"/>
-          </a:xfrm>
-          <a:prstGeom prst="rect">
-            <a:avLst/>
-          </a:prstGeom>
-          <a:noFill/>
-          <a:ln>
-            <a:noFill/>
-          </a:ln>
-          <a:extLst>
-            <a:ext uri="{909E8E84-426E-40DD-AFC4-6F175D3DCCD1}">
-              <a14:hiddenFill xmlns:a14="http://schemas.microsoft.com/office/drawing/2010/main">
-                <a:solidFill>
-                  <a:srgbClr val="FFFFFF"/>
-                </a:solidFill>
-              </a14:hiddenFill>
-            </a:ext>
-            <a:ext uri="{91240B29-F687-4F45-9708-019B960494DF}">
-              <a14:hiddenLine xmlns:a14="http://schemas.microsoft.com/office/drawing/2010/main" w="9525">
-                <a:solidFill>
-                  <a:srgbClr val="000000"/>
-                </a:solidFill>
-                <a:miter lim="800000"/>
-                <a:headEnd/>
-                <a:tailEnd/>
-              </a14:hiddenLine>
-            </a:ext>
-          </a:extLst>
-        </p:spPr>
-      </p:pic>
-      <p:sp>
-        <p:nvSpPr>
-          <p:cNvPr id="10249" name="Prostokąt 1">
-            <a:extLst>
-              <a:ext uri="{FF2B5EF4-FFF2-40B4-BE49-F238E27FC236}">
-                <a16:creationId xmlns:a16="http://schemas.microsoft.com/office/drawing/2014/main" xmlns="" id="{02D2353F-5C8C-414A-93B7-B0F4FE2653DF}"/>
-              </a:ext>
-            </a:extLst>
-          </p:cNvPr>
-          <p:cNvSpPr>
-            <a:spLocks noChangeArrowheads="1"/>
-          </p:cNvSpPr>
-          <p:nvPr/>
-        </p:nvSpPr>
-        <p:spPr bwMode="auto">
-          <a:xfrm>
-            <a:off x="5046663" y="809625"/>
-            <a:ext cx="3297237" cy="1200150"/>
-          </a:xfrm>
-          <a:prstGeom prst="rect">
-            <a:avLst/>
-          </a:prstGeom>
-          <a:noFill/>
-          <a:ln>
-            <a:noFill/>
-          </a:ln>
-          <a:extLst>
-            <a:ext uri="{909E8E84-426E-40DD-AFC4-6F175D3DCCD1}">
-              <a14:hiddenFill xmlns:a14="http://schemas.microsoft.com/office/drawing/2010/main">
-                <a:solidFill>
-                  <a:srgbClr val="FFFFFF"/>
-                </a:solidFill>
-              </a14:hiddenFill>
-            </a:ext>
-            <a:ext uri="{91240B29-F687-4F45-9708-019B960494DF}">
-              <a14:hiddenLine xmlns:a14="http://schemas.microsoft.com/office/drawing/2010/main" w="9525">
-                <a:solidFill>
-                  <a:srgbClr val="000000"/>
-                </a:solidFill>
-                <a:miter lim="800000"/>
-                <a:headEnd/>
-                <a:tailEnd/>
-              </a14:hiddenLine>
-            </a:ext>
-          </a:extLst>
-        </p:spPr>
-        <p:txBody>
-          <a:bodyPr>
-            <a:spAutoFit/>
-          </a:bodyPr>
-          <a:lstStyle>
-            <a:lvl1pPr>
-              <a:defRPr>
-                <a:solidFill>
-                  <a:schemeClr val="tx1"/>
-                </a:solidFill>
-                <a:latin typeface="Calibri" panose="020F0502020204030204" pitchFamily="34" charset="0"/>
-              </a:defRPr>
-            </a:lvl1pPr>
-            <a:lvl2pPr marL="742950" indent="-285750">
-              <a:defRPr>
-                <a:solidFill>
-                  <a:schemeClr val="tx1"/>
-                </a:solidFill>
-                <a:latin typeface="Calibri" panose="020F0502020204030204" pitchFamily="34" charset="0"/>
-              </a:defRPr>
-            </a:lvl2pPr>
-            <a:lvl3pPr marL="1143000" indent="-228600">
-              <a:defRPr>
-                <a:solidFill>
-                  <a:schemeClr val="tx1"/>
-                </a:solidFill>
-                <a:latin typeface="Calibri" panose="020F0502020204030204" pitchFamily="34" charset="0"/>
-              </a:defRPr>
-            </a:lvl3pPr>
-            <a:lvl4pPr marL="1600200" indent="-228600">
-              <a:defRPr>
-                <a:solidFill>
-                  <a:schemeClr val="tx1"/>
-                </a:solidFill>
-                <a:latin typeface="Calibri" panose="020F0502020204030204" pitchFamily="34" charset="0"/>
-              </a:defRPr>
-            </a:lvl4pPr>
-            <a:lvl5pPr marL="2057400" indent="-228600">
-              <a:defRPr>
-                <a:solidFill>
-                  <a:schemeClr val="tx1"/>
-                </a:solidFill>
-                <a:latin typeface="Calibri" panose="020F0502020204030204" pitchFamily="34" charset="0"/>
-              </a:defRPr>
-            </a:lvl5pPr>
-            <a:lvl6pPr marL="2514600" indent="-228600" defTabSz="457200" eaLnBrk="0" fontAlgn="base" hangingPunct="0">
-              <a:spcBef>
-                <a:spcPct val="0"/>
-              </a:spcBef>
-              <a:spcAft>
-                <a:spcPct val="0"/>
-              </a:spcAft>
-              <a:defRPr>
-                <a:solidFill>
-                  <a:schemeClr val="tx1"/>
-                </a:solidFill>
-                <a:latin typeface="Calibri" panose="020F0502020204030204" pitchFamily="34" charset="0"/>
-              </a:defRPr>
-            </a:lvl6pPr>
-            <a:lvl7pPr marL="2971800" indent="-228600" defTabSz="457200" eaLnBrk="0" fontAlgn="base" hangingPunct="0">
-              <a:spcBef>
-                <a:spcPct val="0"/>
-              </a:spcBef>
-              <a:spcAft>
-                <a:spcPct val="0"/>
-              </a:spcAft>
-              <a:defRPr>
-                <a:solidFill>
-                  <a:schemeClr val="tx1"/>
-                </a:solidFill>
-                <a:latin typeface="Calibri" panose="020F0502020204030204" pitchFamily="34" charset="0"/>
-              </a:defRPr>
-            </a:lvl7pPr>
-            <a:lvl8pPr marL="3429000" indent="-228600" defTabSz="457200" eaLnBrk="0" fontAlgn="base" hangingPunct="0">
-              <a:spcBef>
-                <a:spcPct val="0"/>
-              </a:spcBef>
-              <a:spcAft>
-                <a:spcPct val="0"/>
-              </a:spcAft>
-              <a:defRPr>
-                <a:solidFill>
-                  <a:schemeClr val="tx1"/>
-                </a:solidFill>
-                <a:latin typeface="Calibri" panose="020F0502020204030204" pitchFamily="34" charset="0"/>
-              </a:defRPr>
-            </a:lvl8pPr>
-            <a:lvl9pPr marL="3886200" indent="-228600" defTabSz="457200" eaLnBrk="0" fontAlgn="base" hangingPunct="0">
-              <a:spcBef>
-                <a:spcPct val="0"/>
-              </a:spcBef>
-              <a:spcAft>
-                <a:spcPct val="0"/>
-              </a:spcAft>
-              <a:defRPr>
-                <a:solidFill>
-                  <a:schemeClr val="tx1"/>
-                </a:solidFill>
-                <a:latin typeface="Calibri" panose="020F0502020204030204" pitchFamily="34" charset="0"/>
-              </a:defRPr>
-            </a:lvl9pPr>
-          </a:lstStyle>
-          <a:p>
-            <a:pPr algn="just"/>
-            <a:r>
-              <a:rPr lang="pl-PL" altLang="pl-PL" b="1" i="1">
-                <a:solidFill>
-                  <a:srgbClr val="C00000"/>
-                </a:solidFill>
-              </a:rPr>
-              <a:t>Porównanie otrzymanego modelu z danymi eksperymentalnymi dla pojazdu hamującego</a:t>
-            </a:r>
-          </a:p>
-        </p:txBody>
-      </p:sp>
-      <p:cxnSp>
-        <p:nvCxnSpPr>
-          <p:cNvPr id="4" name="Łącznik prosty ze strzałką 3">
-            <a:extLst>
-              <a:ext uri="{FF2B5EF4-FFF2-40B4-BE49-F238E27FC236}">
-                <a16:creationId xmlns:a16="http://schemas.microsoft.com/office/drawing/2014/main" xmlns="" id="{08795B3E-1C6B-4F52-8606-B3CB3BA6CA84}"/>
-              </a:ext>
-            </a:extLst>
-          </p:cNvPr>
-          <p:cNvCxnSpPr/>
-          <p:nvPr/>
-        </p:nvCxnSpPr>
-        <p:spPr>
-          <a:xfrm flipH="1">
-            <a:off x="4524375" y="1365250"/>
-            <a:ext cx="444500" cy="0"/>
-          </a:xfrm>
-          <a:prstGeom prst="straightConnector1">
-            <a:avLst/>
-          </a:prstGeom>
-          <a:ln>
-            <a:tailEnd type="triangle"/>
-          </a:ln>
-        </p:spPr>
-        <p:style>
-          <a:lnRef idx="3">
-            <a:schemeClr val="accent2"/>
-          </a:lnRef>
-          <a:fillRef idx="0">
-            <a:schemeClr val="accent2"/>
-          </a:fillRef>
-          <a:effectRef idx="2">
-            <a:schemeClr val="accent2"/>
-          </a:effectRef>
-          <a:fontRef idx="minor">
-            <a:schemeClr val="tx1"/>
-          </a:fontRef>
-        </p:style>
-      </p:cxnSp>
-      <p:cxnSp>
-        <p:nvCxnSpPr>
-          <p:cNvPr id="12" name="Łącznik prosty ze strzałką 11">
-            <a:extLst>
-              <a:ext uri="{FF2B5EF4-FFF2-40B4-BE49-F238E27FC236}">
-                <a16:creationId xmlns:a16="http://schemas.microsoft.com/office/drawing/2014/main" xmlns="" id="{2C9B04EB-C73C-49C4-BF57-64816ADC7A5E}"/>
-              </a:ext>
-            </a:extLst>
-          </p:cNvPr>
-          <p:cNvCxnSpPr>
-            <a:cxnSpLocks/>
-          </p:cNvCxnSpPr>
-          <p:nvPr/>
-        </p:nvCxnSpPr>
-        <p:spPr>
-          <a:xfrm>
-            <a:off x="3865563" y="4949825"/>
-            <a:ext cx="474662" cy="0"/>
-          </a:xfrm>
-          <a:prstGeom prst="straightConnector1">
-            <a:avLst/>
-          </a:prstGeom>
-          <a:ln>
-            <a:tailEnd type="triangle"/>
-          </a:ln>
-        </p:spPr>
-        <p:style>
-          <a:lnRef idx="3">
-            <a:schemeClr val="accent2"/>
-          </a:lnRef>
-          <a:fillRef idx="0">
-            <a:schemeClr val="accent2"/>
-          </a:fillRef>
-          <a:effectRef idx="2">
-            <a:schemeClr val="accent2"/>
-          </a:effectRef>
-          <a:fontRef idx="minor">
-            <a:schemeClr val="tx1"/>
-          </a:fontRef>
-        </p:style>
-      </p:cxnSp>
     </p:spTree>
   </p:cSld>
   <p:clrMapOvr>
@@ -8620,7 +8440,7 @@
           <p:cNvPr id="12290" name="Tytuł 1">
             <a:extLst>
               <a:ext uri="{FF2B5EF4-FFF2-40B4-BE49-F238E27FC236}">
-                <a16:creationId xmlns:a16="http://schemas.microsoft.com/office/drawing/2014/main" xmlns="" id="{8DC32D7B-D560-4E0F-84E6-D7CFA1D1E61C}"/>
+                <a16:creationId xmlns:a16="http://schemas.microsoft.com/office/drawing/2014/main" id="{8DC32D7B-D560-4E0F-84E6-D7CFA1D1E61C}"/>
               </a:ext>
             </a:extLst>
           </p:cNvPr>
@@ -8654,7 +8474,7 @@
           <p:cNvPr id="12291" name="Symbol zastępczy zawartości 2">
             <a:extLst>
               <a:ext uri="{FF2B5EF4-FFF2-40B4-BE49-F238E27FC236}">
-                <a16:creationId xmlns:a16="http://schemas.microsoft.com/office/drawing/2014/main" xmlns="" id="{8BEF004B-E133-45FA-BA6B-AE22DED370E9}"/>
+                <a16:creationId xmlns:a16="http://schemas.microsoft.com/office/drawing/2014/main" id="{8BEF004B-E133-45FA-BA6B-AE22DED370E9}"/>
               </a:ext>
             </a:extLst>
           </p:cNvPr>
@@ -8684,23 +8504,15 @@
             </a:pPr>
             <a:r>
               <a:rPr lang="pl-PL" altLang="en-US" sz="2400" dirty="0"/>
-              <a:t>Wykorzystując </a:t>
-            </a:r>
-            <a:r>
-              <a:rPr lang="pl-PL" altLang="en-US" sz="2400" dirty="0" smtClean="0"/>
-              <a:t>środowisko </a:t>
-            </a:r>
-            <a:r>
-              <a:rPr lang="pl-PL" altLang="en-US" sz="2400" dirty="0" err="1" smtClean="0"/>
+              <a:t>Wykorzystując środowisko </a:t>
+            </a:r>
+            <a:r>
+              <a:rPr lang="pl-PL" altLang="en-US" sz="2400" dirty="0" err="1"/>
               <a:t>CANoe</a:t>
             </a:r>
             <a:r>
-              <a:rPr lang="pl-PL" altLang="en-US" sz="2400" dirty="0" smtClean="0"/>
-              <a:t> utworzono dw</a:t>
-            </a:r>
-            <a:r>
-              <a:rPr lang="pl-PL" altLang="en-US" sz="2400" dirty="0" smtClean="0"/>
-              <a:t>a komunikujące się z sobą moduły, a następnie przeprowadzono symulację.</a:t>
+              <a:rPr lang="pl-PL" altLang="en-US" sz="2400" dirty="0"/>
+              <a:t> utworzono dwa komunikujące się z sobą moduły, a następnie przeprowadzono symulację.</a:t>
             </a:r>
           </a:p>
           <a:p>
@@ -8712,22 +8524,17 @@
               <a:buNone/>
             </a:pPr>
             <a:r>
-              <a:rPr lang="pl-PL" altLang="en-US" sz="2400" dirty="0" smtClean="0"/>
+              <a:rPr lang="pl-PL" altLang="en-US" sz="2400" dirty="0"/>
               <a:t>Mieliśmy okazję zaznajomić się z samym środowiskiem </a:t>
             </a:r>
             <a:r>
-              <a:rPr lang="pl-PL" altLang="en-US" sz="2400" dirty="0" err="1" smtClean="0"/>
+              <a:rPr lang="pl-PL" altLang="en-US" sz="2400" dirty="0" err="1"/>
               <a:t>CANoe</a:t>
             </a:r>
             <a:r>
               <a:rPr lang="pl-PL" altLang="en-US" sz="2400" dirty="0"/>
-              <a:t> </a:t>
-            </a:r>
-            <a:r>
-              <a:rPr lang="pl-PL" altLang="en-US" sz="2400" dirty="0" smtClean="0"/>
-              <a:t>i poznać podstawy operowania w nim, takie jak tworzenie i wyświetlanie zmiennych, podłączanie bibliotek, komunikacja między modułami.</a:t>
-            </a:r>
-            <a:endParaRPr lang="pl-PL" altLang="en-US" sz="2400" dirty="0"/>
+              <a:t> i poznać podstawy operowania w nim, takie jak tworzenie i wyświetlanie zmiennych, podłączanie bibliotek, komunikacja między modułami.</a:t>
+            </a:r>
           </a:p>
           <a:p>
             <a:pPr marL="0" indent="0" algn="just" eaLnBrk="1" hangingPunct="1">
@@ -8739,21 +8546,16 @@
             </a:pPr>
             <a:r>
               <a:rPr lang="pl-PL" altLang="en-US" sz="2400" dirty="0"/>
-              <a:t>Zebrana wiedza i doświadczenie będzie przydatna przy </a:t>
-            </a:r>
-            <a:r>
-              <a:rPr lang="pl-PL" altLang="en-US" sz="2400" dirty="0" smtClean="0"/>
-              <a:t>tworzeniu bardziej skomplikowanych systemów i symulacji związanych z automatyką pojazdową w środowisku </a:t>
-            </a:r>
-            <a:r>
-              <a:rPr lang="pl-PL" altLang="en-US" sz="2400" dirty="0" err="1" smtClean="0"/>
+              <a:t>Zebrana wiedza i doświadczenie będzie przydatna przy tworzeniu bardziej skomplikowanych systemów i symulacji związanych z automatyką pojazdową w środowisku </a:t>
+            </a:r>
+            <a:r>
+              <a:rPr lang="pl-PL" altLang="en-US" sz="2400" dirty="0" err="1"/>
               <a:t>CANoe</a:t>
             </a:r>
             <a:r>
-              <a:rPr lang="pl-PL" altLang="en-US" sz="2400" dirty="0" smtClean="0"/>
+              <a:rPr lang="pl-PL" altLang="en-US" sz="2400" dirty="0"/>
               <a:t>.</a:t>
             </a:r>
-            <a:endParaRPr lang="pl-PL" altLang="en-US" sz="2400" dirty="0"/>
           </a:p>
         </p:txBody>
       </p:sp>
@@ -8762,7 +8564,7 @@
           <p:cNvPr id="12292" name="Symbol zastępczy numeru slajdu 3">
             <a:extLst>
               <a:ext uri="{FF2B5EF4-FFF2-40B4-BE49-F238E27FC236}">
-                <a16:creationId xmlns:a16="http://schemas.microsoft.com/office/drawing/2014/main" xmlns="" id="{B00D1200-BD3C-42A6-9209-1E15613F3399}"/>
+                <a16:creationId xmlns:a16="http://schemas.microsoft.com/office/drawing/2014/main" id="{B00D1200-BD3C-42A6-9209-1E15613F3399}"/>
               </a:ext>
             </a:extLst>
           </p:cNvPr>
@@ -8964,7 +8766,7 @@
           <p:cNvPr id="6" name="Symbol zastępczy daty 5">
             <a:extLst>
               <a:ext uri="{FF2B5EF4-FFF2-40B4-BE49-F238E27FC236}">
-                <a16:creationId xmlns:a16="http://schemas.microsoft.com/office/drawing/2014/main" xmlns="" id="{A514A7E1-B7D3-4314-B3AC-B1942CC73641}"/>
+                <a16:creationId xmlns:a16="http://schemas.microsoft.com/office/drawing/2014/main" id="{A514A7E1-B7D3-4314-B3AC-B1942CC73641}"/>
               </a:ext>
             </a:extLst>
           </p:cNvPr>
@@ -8996,7 +8798,7 @@
           <p:cNvPr id="7" name="Symbol zastępczy stopki 6">
             <a:extLst>
               <a:ext uri="{FF2B5EF4-FFF2-40B4-BE49-F238E27FC236}">
-                <a16:creationId xmlns:a16="http://schemas.microsoft.com/office/drawing/2014/main" xmlns="" id="{9D884240-C741-4827-8114-E7F17C937FF7}"/>
+                <a16:creationId xmlns:a16="http://schemas.microsoft.com/office/drawing/2014/main" id="{9D884240-C741-4827-8114-E7F17C937FF7}"/>
               </a:ext>
             </a:extLst>
           </p:cNvPr>
